--- a/Bemutató1.pptx
+++ b/Bemutató1.pptx
@@ -13,8 +13,8 @@
     <p:sldId id="262" r:id="rId7"/>
     <p:sldId id="263" r:id="rId8"/>
     <p:sldId id="264" r:id="rId9"/>
-    <p:sldId id="267" r:id="rId10"/>
-    <p:sldId id="265" r:id="rId11"/>
+    <p:sldId id="265" r:id="rId10"/>
+    <p:sldId id="267" r:id="rId11"/>
     <p:sldId id="266" r:id="rId12"/>
     <p:sldId id="260" r:id="rId13"/>
   </p:sldIdLst>
@@ -115,6 +115,11 @@
       </a:defRPr>
     </a:lvl9pPr>
   </p:defaultTextStyle>
+  <p:extLst>
+    <p:ext uri="{EFAFB233-063F-42B5-8137-9DF3F51BA10A}">
+      <p15:sldGuideLst xmlns:p15="http://schemas.microsoft.com/office/powerpoint/2012/main"/>
+    </p:ext>
+  </p:extLst>
 </p:presentation>
 </file>
 
@@ -364,7 +369,7 @@
             <a:fld id="{B61BEF0D-F0BB-DE4B-95CE-6DB70DBA9567}" type="datetimeFigureOut">
               <a:rPr lang="en-US" dirty="0"/>
               <a:pPr/>
-              <a:t>9/8/2022</a:t>
+              <a:t>9/12/2022</a:t>
             </a:fld>
             <a:endParaRPr lang="en-US" dirty="0"/>
           </a:p>
@@ -623,7 +628,7 @@
             <a:fld id="{B61BEF0D-F0BB-DE4B-95CE-6DB70DBA9567}" type="datetimeFigureOut">
               <a:rPr lang="en-US" dirty="0"/>
               <a:pPr/>
-              <a:t>9/8/2022</a:t>
+              <a:t>9/12/2022</a:t>
             </a:fld>
             <a:endParaRPr lang="en-US" dirty="0"/>
           </a:p>
@@ -855,7 +860,7 @@
             <a:fld id="{B61BEF0D-F0BB-DE4B-95CE-6DB70DBA9567}" type="datetimeFigureOut">
               <a:rPr lang="en-US" dirty="0"/>
               <a:pPr/>
-              <a:t>9/8/2022</a:t>
+              <a:t>9/12/2022</a:t>
             </a:fld>
             <a:endParaRPr lang="en-US" dirty="0"/>
           </a:p>
@@ -1092,7 +1097,7 @@
             <a:fld id="{B61BEF0D-F0BB-DE4B-95CE-6DB70DBA9567}" type="datetimeFigureOut">
               <a:rPr lang="en-US" dirty="0"/>
               <a:pPr/>
-              <a:t>9/8/2022</a:t>
+              <a:t>9/12/2022</a:t>
             </a:fld>
             <a:endParaRPr lang="en-US" dirty="0"/>
           </a:p>
@@ -1396,7 +1401,7 @@
             <a:fld id="{B61BEF0D-F0BB-DE4B-95CE-6DB70DBA9567}" type="datetimeFigureOut">
               <a:rPr lang="en-US" dirty="0"/>
               <a:pPr/>
-              <a:t>9/8/2022</a:t>
+              <a:t>9/12/2022</a:t>
             </a:fld>
             <a:endParaRPr lang="en-US" dirty="0"/>
           </a:p>
@@ -1695,7 +1700,7 @@
             <a:fld id="{B61BEF0D-F0BB-DE4B-95CE-6DB70DBA9567}" type="datetimeFigureOut">
               <a:rPr lang="en-US" dirty="0"/>
               <a:pPr/>
-              <a:t>9/8/2022</a:t>
+              <a:t>9/12/2022</a:t>
             </a:fld>
             <a:endParaRPr lang="en-US" dirty="0"/>
           </a:p>
@@ -2114,7 +2119,7 @@
             <a:fld id="{B61BEF0D-F0BB-DE4B-95CE-6DB70DBA9567}" type="datetimeFigureOut">
               <a:rPr lang="en-US" dirty="0"/>
               <a:pPr/>
-              <a:t>9/8/2022</a:t>
+              <a:t>9/12/2022</a:t>
             </a:fld>
             <a:endParaRPr lang="en-US" dirty="0"/>
           </a:p>
@@ -2273,7 +2278,7 @@
             <a:fld id="{B61BEF0D-F0BB-DE4B-95CE-6DB70DBA9567}" type="datetimeFigureOut">
               <a:rPr lang="en-US" dirty="0"/>
               <a:pPr/>
-              <a:t>9/8/2022</a:t>
+              <a:t>9/12/2022</a:t>
             </a:fld>
             <a:endParaRPr lang="en-US" dirty="0"/>
           </a:p>
@@ -2365,7 +2370,7 @@
             <a:fld id="{B61BEF0D-F0BB-DE4B-95CE-6DB70DBA9567}" type="datetimeFigureOut">
               <a:rPr lang="en-US" dirty="0"/>
               <a:pPr/>
-              <a:t>9/8/2022</a:t>
+              <a:t>9/12/2022</a:t>
             </a:fld>
             <a:endParaRPr lang="en-US" dirty="0"/>
           </a:p>
@@ -2740,7 +2745,7 @@
             <a:fld id="{B61BEF0D-F0BB-DE4B-95CE-6DB70DBA9567}" type="datetimeFigureOut">
               <a:rPr lang="en-US" dirty="0"/>
               <a:pPr/>
-              <a:t>9/8/2022</a:t>
+              <a:t>9/12/2022</a:t>
             </a:fld>
             <a:endParaRPr lang="en-US" dirty="0"/>
           </a:p>
@@ -3026,7 +3031,7 @@
             <a:fld id="{B61BEF0D-F0BB-DE4B-95CE-6DB70DBA9567}" type="datetimeFigureOut">
               <a:rPr lang="en-US" dirty="0"/>
               <a:pPr/>
-              <a:t>9/8/2022</a:t>
+              <a:t>9/12/2022</a:t>
             </a:fld>
             <a:endParaRPr lang="en-US" dirty="0"/>
           </a:p>
@@ -3234,7 +3239,7 @@
             <a:fld id="{B61BEF0D-F0BB-DE4B-95CE-6DB70DBA9567}" type="datetimeFigureOut">
               <a:rPr lang="en-US" dirty="0"/>
               <a:pPr/>
-              <a:t>9/8/2022</a:t>
+              <a:t>9/12/2022</a:t>
             </a:fld>
             <a:endParaRPr lang="en-US" dirty="0"/>
           </a:p>
@@ -3846,6 +3851,10 @@
           <a:bodyPr/>
           <a:lstStyle/>
           <a:p>
+            <a:r>
+              <a:rPr lang="hu-HU" dirty="0" smtClean="0"/>
+              <a:t>Számítógép összeszerelés </a:t>
+            </a:r>
             <a:endParaRPr lang="hu-HU" dirty="0"/>
           </a:p>
         </p:txBody>
@@ -3865,6 +3874,10 @@
           <a:bodyPr/>
           <a:lstStyle/>
           <a:p>
+            <a:r>
+              <a:rPr lang="hu-HU" dirty="0" smtClean="0"/>
+              <a:t>Alkatrészek kiválasztása </a:t>
+            </a:r>
             <a:endParaRPr lang="hu-HU" dirty="0"/>
           </a:p>
         </p:txBody>
@@ -3914,7 +3927,11 @@
           <a:bodyPr/>
           <a:lstStyle/>
           <a:p>
-            <a:endParaRPr lang="hu-HU"/>
+            <a:r>
+              <a:rPr lang="hu-HU" dirty="0" err="1" smtClean="0"/>
+              <a:t>hüttés</a:t>
+            </a:r>
+            <a:endParaRPr lang="hu-HU" dirty="0"/>
           </a:p>
         </p:txBody>
       </p:sp>
@@ -3940,7 +3957,7 @@
     </p:spTree>
     <p:extLst>
       <p:ext uri="{BB962C8B-B14F-4D97-AF65-F5344CB8AC3E}">
-        <p14:creationId xmlns:p14="http://schemas.microsoft.com/office/powerpoint/2010/main" val="4178262707"/>
+        <p14:creationId xmlns:p14="http://schemas.microsoft.com/office/powerpoint/2010/main" val="888304952"/>
       </p:ext>
     </p:extLst>
   </p:cSld>
@@ -3982,7 +3999,11 @@
           <a:bodyPr/>
           <a:lstStyle/>
           <a:p>
-            <a:endParaRPr lang="hu-HU"/>
+            <a:r>
+              <a:rPr lang="hu-HU" dirty="0" smtClean="0"/>
+              <a:t>Operációs rendszer </a:t>
+            </a:r>
+            <a:endParaRPr lang="hu-HU" dirty="0"/>
           </a:p>
         </p:txBody>
       </p:sp>
@@ -4141,7 +4162,11 @@
           <a:bodyPr/>
           <a:lstStyle/>
           <a:p>
-            <a:endParaRPr lang="hu-HU"/>
+            <a:r>
+              <a:rPr lang="hu-HU" dirty="0" smtClean="0"/>
+              <a:t>Használási cél </a:t>
+            </a:r>
+            <a:endParaRPr lang="hu-HU" dirty="0"/>
           </a:p>
         </p:txBody>
       </p:sp>
@@ -4160,7 +4185,7 @@
           <a:bodyPr/>
           <a:lstStyle/>
           <a:p>
-            <a:endParaRPr lang="hu-HU"/>
+            <a:endParaRPr lang="hu-HU" dirty="0"/>
           </a:p>
         </p:txBody>
       </p:sp>
@@ -4209,7 +4234,11 @@
           <a:bodyPr/>
           <a:lstStyle/>
           <a:p>
-            <a:endParaRPr lang="hu-HU"/>
+            <a:r>
+              <a:rPr lang="hu-HU" dirty="0" smtClean="0"/>
+              <a:t>Processzor</a:t>
+            </a:r>
+            <a:endParaRPr lang="hu-HU" dirty="0"/>
           </a:p>
         </p:txBody>
       </p:sp>
@@ -4228,7 +4257,7 @@
           <a:bodyPr/>
           <a:lstStyle/>
           <a:p>
-            <a:endParaRPr lang="hu-HU"/>
+            <a:endParaRPr lang="hu-HU" dirty="0"/>
           </a:p>
         </p:txBody>
       </p:sp>
@@ -4277,7 +4306,11 @@
           <a:bodyPr/>
           <a:lstStyle/>
           <a:p>
-            <a:endParaRPr lang="hu-HU"/>
+            <a:r>
+              <a:rPr lang="hu-HU" dirty="0" smtClean="0"/>
+              <a:t>alaplap</a:t>
+            </a:r>
+            <a:endParaRPr lang="hu-HU" dirty="0"/>
           </a:p>
         </p:txBody>
       </p:sp>
@@ -4345,7 +4378,11 @@
           <a:bodyPr/>
           <a:lstStyle/>
           <a:p>
-            <a:endParaRPr lang="hu-HU"/>
+            <a:r>
+              <a:rPr lang="hu-HU" dirty="0" smtClean="0"/>
+              <a:t>videokártya</a:t>
+            </a:r>
+            <a:endParaRPr lang="hu-HU" dirty="0"/>
           </a:p>
         </p:txBody>
       </p:sp>
@@ -4413,7 +4450,11 @@
           <a:bodyPr/>
           <a:lstStyle/>
           <a:p>
-            <a:endParaRPr lang="hu-HU"/>
+            <a:r>
+              <a:rPr lang="hu-HU" dirty="0" smtClean="0"/>
+              <a:t>RAM</a:t>
+            </a:r>
+            <a:endParaRPr lang="hu-HU" dirty="0"/>
           </a:p>
         </p:txBody>
       </p:sp>
@@ -4481,7 +4522,11 @@
           <a:bodyPr/>
           <a:lstStyle/>
           <a:p>
-            <a:endParaRPr lang="hu-HU"/>
+            <a:r>
+              <a:rPr lang="hu-HU" dirty="0" smtClean="0"/>
+              <a:t>háttértár</a:t>
+            </a:r>
+            <a:endParaRPr lang="hu-HU" dirty="0"/>
           </a:p>
         </p:txBody>
       </p:sp>
@@ -4549,7 +4594,11 @@
           <a:bodyPr/>
           <a:lstStyle/>
           <a:p>
-            <a:endParaRPr lang="hu-HU"/>
+            <a:r>
+              <a:rPr lang="hu-HU" dirty="0" smtClean="0"/>
+              <a:t>tápegység</a:t>
+            </a:r>
+            <a:endParaRPr lang="hu-HU" dirty="0"/>
           </a:p>
         </p:txBody>
       </p:sp>
@@ -4617,7 +4666,11 @@
           <a:bodyPr/>
           <a:lstStyle/>
           <a:p>
-            <a:endParaRPr lang="hu-HU"/>
+            <a:r>
+              <a:rPr lang="hu-HU" dirty="0" err="1" smtClean="0"/>
+              <a:t>Hépkáz</a:t>
+            </a:r>
+            <a:endParaRPr lang="hu-HU" dirty="0"/>
           </a:p>
         </p:txBody>
       </p:sp>
@@ -4643,7 +4696,7 @@
     </p:spTree>
     <p:extLst>
       <p:ext uri="{BB962C8B-B14F-4D97-AF65-F5344CB8AC3E}">
-        <p14:creationId xmlns:p14="http://schemas.microsoft.com/office/powerpoint/2010/main" val="888304952"/>
+        <p14:creationId xmlns:p14="http://schemas.microsoft.com/office/powerpoint/2010/main" val="4178262707"/>
       </p:ext>
     </p:extLst>
   </p:cSld>

--- a/Bemutató1.pptx
+++ b/Bemutató1.pptx
@@ -13,8 +13,8 @@
     <p:sldId id="262" r:id="rId7"/>
     <p:sldId id="263" r:id="rId8"/>
     <p:sldId id="264" r:id="rId9"/>
-    <p:sldId id="265" r:id="rId10"/>
-    <p:sldId id="267" r:id="rId11"/>
+    <p:sldId id="267" r:id="rId10"/>
+    <p:sldId id="265" r:id="rId11"/>
     <p:sldId id="266" r:id="rId12"/>
     <p:sldId id="260" r:id="rId13"/>
   </p:sldIdLst>
@@ -209,7 +209,7 @@
           </a:lstStyle>
           <a:p>
             <a:r>
-              <a:rPr lang="hu-HU" smtClean="0"/>
+              <a:rPr lang="hu-HU"/>
               <a:t>Mintacím szerkesztése</a:t>
             </a:r>
             <a:endParaRPr lang="en-US" dirty="0"/>
@@ -328,7 +328,7 @@
           </a:lstStyle>
           <a:p>
             <a:r>
-              <a:rPr lang="hu-HU" smtClean="0"/>
+              <a:rPr lang="hu-HU"/>
               <a:t>Kattintson ide az alcím mintájának szerkesztéséhez</a:t>
             </a:r>
             <a:endParaRPr lang="en-US" dirty="0"/>
@@ -369,7 +369,7 @@
             <a:fld id="{B61BEF0D-F0BB-DE4B-95CE-6DB70DBA9567}" type="datetimeFigureOut">
               <a:rPr lang="en-US" dirty="0"/>
               <a:pPr/>
-              <a:t>9/12/2022</a:t>
+              <a:t>9/18/2022</a:t>
             </a:fld>
             <a:endParaRPr lang="en-US" dirty="0"/>
           </a:p>
@@ -535,7 +535,7 @@
           <a:lstStyle/>
           <a:p>
             <a:r>
-              <a:rPr lang="hu-HU" smtClean="0"/>
+              <a:rPr lang="hu-HU"/>
               <a:t>Mintacím szerkesztése</a:t>
             </a:r>
             <a:endParaRPr lang="en-US" dirty="0"/>
@@ -575,35 +575,35 @@
           <a:p>
             <a:pPr lvl="0"/>
             <a:r>
-              <a:rPr lang="hu-HU" smtClean="0"/>
+              <a:rPr lang="hu-HU"/>
               <a:t>Mintaszöveg szerkesztése</a:t>
             </a:r>
           </a:p>
           <a:p>
             <a:pPr lvl="1"/>
             <a:r>
-              <a:rPr lang="hu-HU" smtClean="0"/>
+              <a:rPr lang="hu-HU"/>
               <a:t>Második szint</a:t>
             </a:r>
           </a:p>
           <a:p>
             <a:pPr lvl="2"/>
             <a:r>
-              <a:rPr lang="hu-HU" smtClean="0"/>
+              <a:rPr lang="hu-HU"/>
               <a:t>Harmadik szint</a:t>
             </a:r>
           </a:p>
           <a:p>
             <a:pPr lvl="3"/>
             <a:r>
-              <a:rPr lang="hu-HU" smtClean="0"/>
+              <a:rPr lang="hu-HU"/>
               <a:t>Negyedik szint</a:t>
             </a:r>
           </a:p>
           <a:p>
             <a:pPr lvl="4"/>
             <a:r>
-              <a:rPr lang="hu-HU" smtClean="0"/>
+              <a:rPr lang="hu-HU"/>
               <a:t>Ötödik szint</a:t>
             </a:r>
             <a:endParaRPr lang="en-US" dirty="0"/>
@@ -628,7 +628,7 @@
             <a:fld id="{B61BEF0D-F0BB-DE4B-95CE-6DB70DBA9567}" type="datetimeFigureOut">
               <a:rPr lang="en-US" dirty="0"/>
               <a:pPr/>
-              <a:t>9/12/2022</a:t>
+              <a:t>9/18/2022</a:t>
             </a:fld>
             <a:endParaRPr lang="en-US" dirty="0"/>
           </a:p>
@@ -762,7 +762,7 @@
           <a:lstStyle/>
           <a:p>
             <a:r>
-              <a:rPr lang="hu-HU" smtClean="0"/>
+              <a:rPr lang="hu-HU"/>
               <a:t>Mintacím szerkesztése</a:t>
             </a:r>
             <a:endParaRPr lang="en-US" dirty="0"/>
@@ -791,35 +791,35 @@
           <a:p>
             <a:pPr lvl="0"/>
             <a:r>
-              <a:rPr lang="hu-HU" smtClean="0"/>
+              <a:rPr lang="hu-HU"/>
               <a:t>Mintaszöveg szerkesztése</a:t>
             </a:r>
           </a:p>
           <a:p>
             <a:pPr lvl="1"/>
             <a:r>
-              <a:rPr lang="hu-HU" smtClean="0"/>
+              <a:rPr lang="hu-HU"/>
               <a:t>Második szint</a:t>
             </a:r>
           </a:p>
           <a:p>
             <a:pPr lvl="2"/>
             <a:r>
-              <a:rPr lang="hu-HU" smtClean="0"/>
+              <a:rPr lang="hu-HU"/>
               <a:t>Harmadik szint</a:t>
             </a:r>
           </a:p>
           <a:p>
             <a:pPr lvl="3"/>
             <a:r>
-              <a:rPr lang="hu-HU" smtClean="0"/>
+              <a:rPr lang="hu-HU"/>
               <a:t>Negyedik szint</a:t>
             </a:r>
           </a:p>
           <a:p>
             <a:pPr lvl="4"/>
             <a:r>
-              <a:rPr lang="hu-HU" smtClean="0"/>
+              <a:rPr lang="hu-HU"/>
               <a:t>Ötödik szint</a:t>
             </a:r>
             <a:endParaRPr lang="en-US" dirty="0"/>
@@ -860,7 +860,7 @@
             <a:fld id="{B61BEF0D-F0BB-DE4B-95CE-6DB70DBA9567}" type="datetimeFigureOut">
               <a:rPr lang="en-US" dirty="0"/>
               <a:pPr/>
-              <a:t>9/12/2022</a:t>
+              <a:t>9/18/2022</a:t>
             </a:fld>
             <a:endParaRPr lang="en-US" dirty="0"/>
           </a:p>
@@ -1015,7 +1015,7 @@
           <a:lstStyle/>
           <a:p>
             <a:r>
-              <a:rPr lang="hu-HU" smtClean="0"/>
+              <a:rPr lang="hu-HU"/>
               <a:t>Mintacím szerkesztése</a:t>
             </a:r>
             <a:endParaRPr lang="en-US" dirty="0"/>
@@ -1044,35 +1044,35 @@
           <a:p>
             <a:pPr lvl="0"/>
             <a:r>
-              <a:rPr lang="hu-HU" smtClean="0"/>
+              <a:rPr lang="hu-HU"/>
               <a:t>Mintaszöveg szerkesztése</a:t>
             </a:r>
           </a:p>
           <a:p>
             <a:pPr lvl="1"/>
             <a:r>
-              <a:rPr lang="hu-HU" smtClean="0"/>
+              <a:rPr lang="hu-HU"/>
               <a:t>Második szint</a:t>
             </a:r>
           </a:p>
           <a:p>
             <a:pPr lvl="2"/>
             <a:r>
-              <a:rPr lang="hu-HU" smtClean="0"/>
+              <a:rPr lang="hu-HU"/>
               <a:t>Harmadik szint</a:t>
             </a:r>
           </a:p>
           <a:p>
             <a:pPr lvl="3"/>
             <a:r>
-              <a:rPr lang="hu-HU" smtClean="0"/>
+              <a:rPr lang="hu-HU"/>
               <a:t>Negyedik szint</a:t>
             </a:r>
           </a:p>
           <a:p>
             <a:pPr lvl="4"/>
             <a:r>
-              <a:rPr lang="hu-HU" smtClean="0"/>
+              <a:rPr lang="hu-HU"/>
               <a:t>Ötödik szint</a:t>
             </a:r>
             <a:endParaRPr lang="en-US" dirty="0"/>
@@ -1097,7 +1097,7 @@
             <a:fld id="{B61BEF0D-F0BB-DE4B-95CE-6DB70DBA9567}" type="datetimeFigureOut">
               <a:rPr lang="en-US" dirty="0"/>
               <a:pPr/>
-              <a:t>9/12/2022</a:t>
+              <a:t>9/18/2022</a:t>
             </a:fld>
             <a:endParaRPr lang="en-US" dirty="0"/>
           </a:p>
@@ -1246,7 +1246,7 @@
           </a:lstStyle>
           <a:p>
             <a:r>
-              <a:rPr lang="hu-HU" smtClean="0"/>
+              <a:rPr lang="hu-HU"/>
               <a:t>Mintacím szerkesztése</a:t>
             </a:r>
             <a:endParaRPr lang="en-US" dirty="0"/>
@@ -1366,7 +1366,7 @@
           <a:p>
             <a:pPr lvl="0"/>
             <a:r>
-              <a:rPr lang="hu-HU" smtClean="0"/>
+              <a:rPr lang="hu-HU"/>
               <a:t>Mintaszöveg szerkesztése</a:t>
             </a:r>
           </a:p>
@@ -1401,7 +1401,7 @@
             <a:fld id="{B61BEF0D-F0BB-DE4B-95CE-6DB70DBA9567}" type="datetimeFigureOut">
               <a:rPr lang="en-US" dirty="0"/>
               <a:pPr/>
-              <a:t>9/12/2022</a:t>
+              <a:t>9/18/2022</a:t>
             </a:fld>
             <a:endParaRPr lang="en-US" dirty="0"/>
           </a:p>
@@ -1557,7 +1557,7 @@
           <a:lstStyle/>
           <a:p>
             <a:r>
-              <a:rPr lang="hu-HU" smtClean="0"/>
+              <a:rPr lang="hu-HU"/>
               <a:t>Mintacím szerkesztése</a:t>
             </a:r>
             <a:endParaRPr lang="en-US" dirty="0"/>
@@ -1588,35 +1588,35 @@
           <a:p>
             <a:pPr lvl="0"/>
             <a:r>
-              <a:rPr lang="hu-HU" smtClean="0"/>
+              <a:rPr lang="hu-HU"/>
               <a:t>Mintaszöveg szerkesztése</a:t>
             </a:r>
           </a:p>
           <a:p>
             <a:pPr lvl="1"/>
             <a:r>
-              <a:rPr lang="hu-HU" smtClean="0"/>
+              <a:rPr lang="hu-HU"/>
               <a:t>Második szint</a:t>
             </a:r>
           </a:p>
           <a:p>
             <a:pPr lvl="2"/>
             <a:r>
-              <a:rPr lang="hu-HU" smtClean="0"/>
+              <a:rPr lang="hu-HU"/>
               <a:t>Harmadik szint</a:t>
             </a:r>
           </a:p>
           <a:p>
             <a:pPr lvl="3"/>
             <a:r>
-              <a:rPr lang="hu-HU" smtClean="0"/>
+              <a:rPr lang="hu-HU"/>
               <a:t>Negyedik szint</a:t>
             </a:r>
           </a:p>
           <a:p>
             <a:pPr lvl="4"/>
             <a:r>
-              <a:rPr lang="hu-HU" smtClean="0"/>
+              <a:rPr lang="hu-HU"/>
               <a:t>Ötödik szint</a:t>
             </a:r>
             <a:endParaRPr lang="en-US" dirty="0"/>
@@ -1647,35 +1647,35 @@
           <a:p>
             <a:pPr lvl="0"/>
             <a:r>
-              <a:rPr lang="hu-HU" smtClean="0"/>
+              <a:rPr lang="hu-HU"/>
               <a:t>Mintaszöveg szerkesztése</a:t>
             </a:r>
           </a:p>
           <a:p>
             <a:pPr lvl="1"/>
             <a:r>
-              <a:rPr lang="hu-HU" smtClean="0"/>
+              <a:rPr lang="hu-HU"/>
               <a:t>Második szint</a:t>
             </a:r>
           </a:p>
           <a:p>
             <a:pPr lvl="2"/>
             <a:r>
-              <a:rPr lang="hu-HU" smtClean="0"/>
+              <a:rPr lang="hu-HU"/>
               <a:t>Harmadik szint</a:t>
             </a:r>
           </a:p>
           <a:p>
             <a:pPr lvl="3"/>
             <a:r>
-              <a:rPr lang="hu-HU" smtClean="0"/>
+              <a:rPr lang="hu-HU"/>
               <a:t>Negyedik szint</a:t>
             </a:r>
           </a:p>
           <a:p>
             <a:pPr lvl="4"/>
             <a:r>
-              <a:rPr lang="hu-HU" smtClean="0"/>
+              <a:rPr lang="hu-HU"/>
               <a:t>Ötödik szint</a:t>
             </a:r>
             <a:endParaRPr lang="en-US" dirty="0"/>
@@ -1700,7 +1700,7 @@
             <a:fld id="{B61BEF0D-F0BB-DE4B-95CE-6DB70DBA9567}" type="datetimeFigureOut">
               <a:rPr lang="en-US" dirty="0"/>
               <a:pPr/>
-              <a:t>9/12/2022</a:t>
+              <a:t>9/18/2022</a:t>
             </a:fld>
             <a:endParaRPr lang="en-US" dirty="0"/>
           </a:p>
@@ -1834,7 +1834,7 @@
           <a:lstStyle/>
           <a:p>
             <a:r>
-              <a:rPr lang="hu-HU" smtClean="0"/>
+              <a:rPr lang="hu-HU"/>
               <a:t>Mintacím szerkesztése</a:t>
             </a:r>
             <a:endParaRPr lang="en-US" dirty="0"/>
@@ -1906,7 +1906,7 @@
           <a:p>
             <a:pPr lvl="0"/>
             <a:r>
-              <a:rPr lang="hu-HU" smtClean="0"/>
+              <a:rPr lang="hu-HU"/>
               <a:t>Mintaszöveg szerkesztése</a:t>
             </a:r>
           </a:p>
@@ -1936,35 +1936,35 @@
           <a:p>
             <a:pPr lvl="0"/>
             <a:r>
-              <a:rPr lang="hu-HU" smtClean="0"/>
+              <a:rPr lang="hu-HU"/>
               <a:t>Mintaszöveg szerkesztése</a:t>
             </a:r>
           </a:p>
           <a:p>
             <a:pPr lvl="1"/>
             <a:r>
-              <a:rPr lang="hu-HU" smtClean="0"/>
+              <a:rPr lang="hu-HU"/>
               <a:t>Második szint</a:t>
             </a:r>
           </a:p>
           <a:p>
             <a:pPr lvl="2"/>
             <a:r>
-              <a:rPr lang="hu-HU" smtClean="0"/>
+              <a:rPr lang="hu-HU"/>
               <a:t>Harmadik szint</a:t>
             </a:r>
           </a:p>
           <a:p>
             <a:pPr lvl="3"/>
             <a:r>
-              <a:rPr lang="hu-HU" smtClean="0"/>
+              <a:rPr lang="hu-HU"/>
               <a:t>Negyedik szint</a:t>
             </a:r>
           </a:p>
           <a:p>
             <a:pPr lvl="4"/>
             <a:r>
-              <a:rPr lang="hu-HU" smtClean="0"/>
+              <a:rPr lang="hu-HU"/>
               <a:t>Ötödik szint</a:t>
             </a:r>
             <a:endParaRPr lang="en-US" dirty="0"/>
@@ -2036,7 +2036,7 @@
           <a:p>
             <a:pPr lvl="0"/>
             <a:r>
-              <a:rPr lang="hu-HU" smtClean="0"/>
+              <a:rPr lang="hu-HU"/>
               <a:t>Mintaszöveg szerkesztése</a:t>
             </a:r>
           </a:p>
@@ -2066,35 +2066,35 @@
           <a:p>
             <a:pPr lvl="0"/>
             <a:r>
-              <a:rPr lang="hu-HU" smtClean="0"/>
+              <a:rPr lang="hu-HU"/>
               <a:t>Mintaszöveg szerkesztése</a:t>
             </a:r>
           </a:p>
           <a:p>
             <a:pPr lvl="1"/>
             <a:r>
-              <a:rPr lang="hu-HU" smtClean="0"/>
+              <a:rPr lang="hu-HU"/>
               <a:t>Második szint</a:t>
             </a:r>
           </a:p>
           <a:p>
             <a:pPr lvl="2"/>
             <a:r>
-              <a:rPr lang="hu-HU" smtClean="0"/>
+              <a:rPr lang="hu-HU"/>
               <a:t>Harmadik szint</a:t>
             </a:r>
           </a:p>
           <a:p>
             <a:pPr lvl="3"/>
             <a:r>
-              <a:rPr lang="hu-HU" smtClean="0"/>
+              <a:rPr lang="hu-HU"/>
               <a:t>Negyedik szint</a:t>
             </a:r>
           </a:p>
           <a:p>
             <a:pPr lvl="4"/>
             <a:r>
-              <a:rPr lang="hu-HU" smtClean="0"/>
+              <a:rPr lang="hu-HU"/>
               <a:t>Ötödik szint</a:t>
             </a:r>
             <a:endParaRPr lang="en-US" dirty="0"/>
@@ -2119,7 +2119,7 @@
             <a:fld id="{B61BEF0D-F0BB-DE4B-95CE-6DB70DBA9567}" type="datetimeFigureOut">
               <a:rPr lang="en-US" dirty="0"/>
               <a:pPr/>
-              <a:t>9/12/2022</a:t>
+              <a:t>9/18/2022</a:t>
             </a:fld>
             <a:endParaRPr lang="en-US" dirty="0"/>
           </a:p>
@@ -2253,7 +2253,7 @@
           <a:lstStyle/>
           <a:p>
             <a:r>
-              <a:rPr lang="hu-HU" smtClean="0"/>
+              <a:rPr lang="hu-HU"/>
               <a:t>Mintacím szerkesztése</a:t>
             </a:r>
             <a:endParaRPr lang="en-US" dirty="0"/>
@@ -2278,7 +2278,7 @@
             <a:fld id="{B61BEF0D-F0BB-DE4B-95CE-6DB70DBA9567}" type="datetimeFigureOut">
               <a:rPr lang="en-US" dirty="0"/>
               <a:pPr/>
-              <a:t>9/12/2022</a:t>
+              <a:t>9/18/2022</a:t>
             </a:fld>
             <a:endParaRPr lang="en-US" dirty="0"/>
           </a:p>
@@ -2370,7 +2370,7 @@
             <a:fld id="{B61BEF0D-F0BB-DE4B-95CE-6DB70DBA9567}" type="datetimeFigureOut">
               <a:rPr lang="en-US" dirty="0"/>
               <a:pPr/>
-              <a:t>9/12/2022</a:t>
+              <a:t>9/18/2022</a:t>
             </a:fld>
             <a:endParaRPr lang="en-US" dirty="0"/>
           </a:p>
@@ -2515,7 +2515,7 @@
           </a:lstStyle>
           <a:p>
             <a:r>
-              <a:rPr lang="hu-HU" smtClean="0"/>
+              <a:rPr lang="hu-HU"/>
               <a:t>Mintacím szerkesztése</a:t>
             </a:r>
             <a:endParaRPr lang="en-US" dirty="0"/>
@@ -2610,35 +2610,35 @@
           <a:p>
             <a:pPr lvl="0"/>
             <a:r>
-              <a:rPr lang="hu-HU" smtClean="0"/>
+              <a:rPr lang="hu-HU"/>
               <a:t>Mintaszöveg szerkesztése</a:t>
             </a:r>
           </a:p>
           <a:p>
             <a:pPr lvl="1"/>
             <a:r>
-              <a:rPr lang="hu-HU" smtClean="0"/>
+              <a:rPr lang="hu-HU"/>
               <a:t>Második szint</a:t>
             </a:r>
           </a:p>
           <a:p>
             <a:pPr lvl="2"/>
             <a:r>
-              <a:rPr lang="hu-HU" smtClean="0"/>
+              <a:rPr lang="hu-HU"/>
               <a:t>Harmadik szint</a:t>
             </a:r>
           </a:p>
           <a:p>
             <a:pPr lvl="3"/>
             <a:r>
-              <a:rPr lang="hu-HU" smtClean="0"/>
+              <a:rPr lang="hu-HU"/>
               <a:t>Negyedik szint</a:t>
             </a:r>
           </a:p>
           <a:p>
             <a:pPr lvl="4"/>
             <a:r>
-              <a:rPr lang="hu-HU" smtClean="0"/>
+              <a:rPr lang="hu-HU"/>
               <a:t>Ötödik szint</a:t>
             </a:r>
             <a:endParaRPr lang="en-US" dirty="0"/>
@@ -2710,7 +2710,7 @@
           <a:p>
             <a:pPr lvl="0"/>
             <a:r>
-              <a:rPr lang="hu-HU" smtClean="0"/>
+              <a:rPr lang="hu-HU"/>
               <a:t>Mintaszöveg szerkesztése</a:t>
             </a:r>
           </a:p>
@@ -2745,7 +2745,7 @@
             <a:fld id="{B61BEF0D-F0BB-DE4B-95CE-6DB70DBA9567}" type="datetimeFigureOut">
               <a:rPr lang="en-US" dirty="0"/>
               <a:pPr/>
-              <a:t>9/12/2022</a:t>
+              <a:t>9/18/2022</a:t>
             </a:fld>
             <a:endParaRPr lang="en-US" dirty="0"/>
           </a:p>
@@ -2872,7 +2872,7 @@
           </a:lstStyle>
           <a:p>
             <a:r>
-              <a:rPr lang="hu-HU" smtClean="0"/>
+              <a:rPr lang="hu-HU"/>
               <a:t>Mintacím szerkesztése</a:t>
             </a:r>
             <a:endParaRPr lang="en-US" dirty="0"/>
@@ -2939,7 +2939,7 @@
           </a:lstStyle>
           <a:p>
             <a:r>
-              <a:rPr lang="hu-HU" smtClean="0"/>
+              <a:rPr lang="hu-HU"/>
               <a:t>Kép beszúrásához kattintson az ikonra</a:t>
             </a:r>
             <a:endParaRPr lang="en-US" dirty="0"/>
@@ -3007,7 +3007,7 @@
           <a:p>
             <a:pPr lvl="0"/>
             <a:r>
-              <a:rPr lang="hu-HU" smtClean="0"/>
+              <a:rPr lang="hu-HU"/>
               <a:t>Mintaszöveg szerkesztése</a:t>
             </a:r>
           </a:p>
@@ -3031,7 +3031,7 @@
             <a:fld id="{B61BEF0D-F0BB-DE4B-95CE-6DB70DBA9567}" type="datetimeFigureOut">
               <a:rPr lang="en-US" dirty="0"/>
               <a:pPr/>
-              <a:t>9/12/2022</a:t>
+              <a:t>9/18/2022</a:t>
             </a:fld>
             <a:endParaRPr lang="en-US" dirty="0"/>
           </a:p>
@@ -3136,7 +3136,7 @@
           <a:lstStyle/>
           <a:p>
             <a:r>
-              <a:rPr lang="hu-HU" smtClean="0"/>
+              <a:rPr lang="hu-HU"/>
               <a:t>Mintacím szerkesztése</a:t>
             </a:r>
             <a:endParaRPr lang="en-US" dirty="0"/>
@@ -3170,35 +3170,35 @@
           <a:p>
             <a:pPr lvl="0"/>
             <a:r>
-              <a:rPr lang="hu-HU" smtClean="0"/>
+              <a:rPr lang="hu-HU"/>
               <a:t>Mintaszöveg szerkesztése</a:t>
             </a:r>
           </a:p>
           <a:p>
             <a:pPr lvl="1"/>
             <a:r>
-              <a:rPr lang="hu-HU" smtClean="0"/>
+              <a:rPr lang="hu-HU"/>
               <a:t>Második szint</a:t>
             </a:r>
           </a:p>
           <a:p>
             <a:pPr lvl="2"/>
             <a:r>
-              <a:rPr lang="hu-HU" smtClean="0"/>
+              <a:rPr lang="hu-HU"/>
               <a:t>Harmadik szint</a:t>
             </a:r>
           </a:p>
           <a:p>
             <a:pPr lvl="3"/>
             <a:r>
-              <a:rPr lang="hu-HU" smtClean="0"/>
+              <a:rPr lang="hu-HU"/>
               <a:t>Negyedik szint</a:t>
             </a:r>
           </a:p>
           <a:p>
             <a:pPr lvl="4"/>
             <a:r>
-              <a:rPr lang="hu-HU" smtClean="0"/>
+              <a:rPr lang="hu-HU"/>
               <a:t>Ötödik szint</a:t>
             </a:r>
             <a:endParaRPr lang="en-US" dirty="0"/>
@@ -3239,7 +3239,7 @@
             <a:fld id="{B61BEF0D-F0BB-DE4B-95CE-6DB70DBA9567}" type="datetimeFigureOut">
               <a:rPr lang="en-US" dirty="0"/>
               <a:pPr/>
-              <a:t>9/12/2022</a:t>
+              <a:t>9/18/2022</a:t>
             </a:fld>
             <a:endParaRPr lang="en-US" dirty="0"/>
           </a:p>
@@ -3852,10 +3852,9 @@
           <a:lstStyle/>
           <a:p>
             <a:r>
-              <a:rPr lang="hu-HU" dirty="0" smtClean="0"/>
+              <a:rPr lang="hu-HU" dirty="0"/>
               <a:t>Számítógép összeszerelés </a:t>
             </a:r>
-            <a:endParaRPr lang="hu-HU" dirty="0"/>
           </a:p>
         </p:txBody>
       </p:sp>
@@ -3875,10 +3874,9 @@
           <a:lstStyle/>
           <a:p>
             <a:r>
-              <a:rPr lang="hu-HU" dirty="0" smtClean="0"/>
+              <a:rPr lang="hu-HU" dirty="0"/>
               <a:t>Alkatrészek kiválasztása </a:t>
             </a:r>
-            <a:endParaRPr lang="hu-HU" dirty="0"/>
           </a:p>
         </p:txBody>
       </p:sp>
@@ -3898,6 +3896,14 @@
 <file path=ppt/slides/slide10.xml><?xml version="1.0" encoding="utf-8"?>
 <p:sld xmlns:a="http://schemas.openxmlformats.org/drawingml/2006/main" xmlns:r="http://schemas.openxmlformats.org/officeDocument/2006/relationships" xmlns:p="http://schemas.openxmlformats.org/presentationml/2006/main">
   <p:cSld>
+    <p:bg>
+      <p:bgPr>
+        <a:solidFill>
+          <a:schemeClr val="bg1"/>
+        </a:solidFill>
+        <a:effectLst/>
+      </p:bgPr>
+    </p:bg>
     <p:spTree>
       <p:nvGrpSpPr>
         <p:cNvPr id="1" name=""/>
@@ -3912,6 +3918,120 @@
           <a:chExt cx="0" cy="0"/>
         </a:xfrm>
       </p:grpSpPr>
+      <p:sp useBgFill="1">
+        <p:nvSpPr>
+          <p:cNvPr id="8199" name="Rectangle 8198">
+            <a:extLst>
+              <a:ext uri="{FF2B5EF4-FFF2-40B4-BE49-F238E27FC236}">
+                <a16:creationId xmlns:a16="http://schemas.microsoft.com/office/drawing/2014/main" id="{2A28AC4B-805D-4091-A648-61572081C7FB}"/>
+              </a:ext>
+              <a:ext uri="{C183D7F6-B498-43B3-948B-1728B52AA6E4}">
+                <adec:decorative xmlns:adec="http://schemas.microsoft.com/office/drawing/2017/decorative" val="1"/>
+              </a:ext>
+            </a:extLst>
+          </p:cNvPr>
+          <p:cNvSpPr>
+            <a:spLocks noGrp="1" noRot="1" noChangeAspect="1" noMove="1" noResize="1" noEditPoints="1" noAdjustHandles="1" noChangeArrowheads="1" noChangeShapeType="1" noTextEdit="1"/>
+          </p:cNvSpPr>
+          <p:nvPr>
+            <p:extLst>
+              <p:ext uri="{386F3935-93C4-4BCD-93E2-E3B085C9AB24}">
+                <p16:designElem xmlns:p16="http://schemas.microsoft.com/office/powerpoint/2015/main" val="1"/>
+              </p:ext>
+            </p:extLst>
+          </p:nvPr>
+        </p:nvSpPr>
+        <p:spPr>
+          <a:xfrm>
+            <a:off x="0" y="614406"/>
+            <a:ext cx="12192000" cy="6243593"/>
+          </a:xfrm>
+          <a:prstGeom prst="rect">
+            <a:avLst/>
+          </a:prstGeom>
+          <a:ln>
+            <a:noFill/>
+          </a:ln>
+        </p:spPr>
+        <p:style>
+          <a:lnRef idx="2">
+            <a:schemeClr val="accent1">
+              <a:shade val="50000"/>
+            </a:schemeClr>
+          </a:lnRef>
+          <a:fillRef idx="1">
+            <a:schemeClr val="accent1"/>
+          </a:fillRef>
+          <a:effectRef idx="0">
+            <a:schemeClr val="accent1"/>
+          </a:effectRef>
+          <a:fontRef idx="minor">
+            <a:schemeClr val="lt1"/>
+          </a:fontRef>
+        </p:style>
+        <p:txBody>
+          <a:bodyPr rtlCol="0" anchor="ctr"/>
+          <a:lstStyle/>
+          <a:p>
+            <a:pPr algn="ctr"/>
+            <a:endParaRPr lang="en-US"/>
+          </a:p>
+        </p:txBody>
+      </p:sp>
+      <p:sp>
+        <p:nvSpPr>
+          <p:cNvPr id="8201" name="Rectangle 8200">
+            <a:extLst>
+              <a:ext uri="{FF2B5EF4-FFF2-40B4-BE49-F238E27FC236}">
+                <a16:creationId xmlns:a16="http://schemas.microsoft.com/office/drawing/2014/main" id="{39373A6F-2E1F-4613-8E1D-D68057D29F31}"/>
+              </a:ext>
+              <a:ext uri="{C183D7F6-B498-43B3-948B-1728B52AA6E4}">
+                <adec:decorative xmlns:adec="http://schemas.microsoft.com/office/drawing/2017/decorative" val="1"/>
+              </a:ext>
+            </a:extLst>
+          </p:cNvPr>
+          <p:cNvSpPr>
+            <a:spLocks noGrp="1" noRot="1" noChangeAspect="1" noMove="1" noResize="1" noEditPoints="1" noAdjustHandles="1" noChangeArrowheads="1" noChangeShapeType="1" noTextEdit="1"/>
+          </p:cNvSpPr>
+          <p:nvPr>
+            <p:extLst>
+              <p:ext uri="{386F3935-93C4-4BCD-93E2-E3B085C9AB24}">
+                <p16:designElem xmlns:p16="http://schemas.microsoft.com/office/powerpoint/2015/main" val="1"/>
+              </p:ext>
+            </p:extLst>
+          </p:nvPr>
+        </p:nvSpPr>
+        <p:spPr>
+          <a:xfrm>
+            <a:off x="442377" y="614407"/>
+            <a:ext cx="3707477" cy="5611772"/>
+          </a:xfrm>
+          <a:prstGeom prst="rect">
+            <a:avLst/>
+          </a:prstGeom>
+          <a:solidFill>
+            <a:schemeClr val="accent1"/>
+          </a:solidFill>
+          <a:ln>
+            <a:noFill/>
+          </a:ln>
+          <a:effectLst/>
+        </p:spPr>
+        <p:style>
+          <a:lnRef idx="1">
+            <a:schemeClr val="accent1"/>
+          </a:lnRef>
+          <a:fillRef idx="3">
+            <a:schemeClr val="accent1"/>
+          </a:fillRef>
+          <a:effectRef idx="2">
+            <a:schemeClr val="accent1"/>
+          </a:effectRef>
+          <a:fontRef idx="minor">
+            <a:schemeClr val="lt1"/>
+          </a:fontRef>
+        </p:style>
+      </p:sp>
       <p:sp>
         <p:nvSpPr>
           <p:cNvPr id="2" name="Cím 1"/>
@@ -3922,14 +4042,21 @@
             <p:ph type="title"/>
           </p:nvPr>
         </p:nvSpPr>
-        <p:spPr/>
-        <p:txBody>
-          <a:bodyPr/>
+        <p:spPr>
+          <a:xfrm>
+            <a:off x="601255" y="702156"/>
+            <a:ext cx="3409783" cy="1013800"/>
+          </a:xfrm>
+        </p:spPr>
+        <p:txBody>
+          <a:bodyPr>
+            <a:normAutofit/>
+          </a:bodyPr>
           <a:lstStyle/>
           <a:p>
             <a:r>
-              <a:rPr lang="hu-HU" dirty="0" err="1" smtClean="0"/>
-              <a:t>hüttés</a:t>
+              <a:rPr lang="hu-HU" dirty="0" err="1"/>
+              <a:t>GépHáz</a:t>
             </a:r>
             <a:endParaRPr lang="hu-HU" dirty="0"/>
           </a:p>
@@ -3937,6 +4064,60 @@
       </p:sp>
       <p:sp>
         <p:nvSpPr>
+          <p:cNvPr id="8203" name="Rectangle 8202">
+            <a:extLst>
+              <a:ext uri="{FF2B5EF4-FFF2-40B4-BE49-F238E27FC236}">
+                <a16:creationId xmlns:a16="http://schemas.microsoft.com/office/drawing/2014/main" id="{A6D733BE-061E-4600-B6A3-62A68EF2C687}"/>
+              </a:ext>
+              <a:ext uri="{C183D7F6-B498-43B3-948B-1728B52AA6E4}">
+                <adec:decorative xmlns:adec="http://schemas.microsoft.com/office/drawing/2017/decorative" val="1"/>
+              </a:ext>
+            </a:extLst>
+          </p:cNvPr>
+          <p:cNvSpPr>
+            <a:spLocks noGrp="1" noRot="1" noChangeAspect="1" noMove="1" noResize="1" noEditPoints="1" noAdjustHandles="1" noChangeArrowheads="1" noChangeShapeType="1" noTextEdit="1"/>
+          </p:cNvSpPr>
+          <p:nvPr>
+            <p:extLst>
+              <p:ext uri="{386F3935-93C4-4BCD-93E2-E3B085C9AB24}">
+                <p16:designElem xmlns:p16="http://schemas.microsoft.com/office/powerpoint/2015/main" val="1"/>
+              </p:ext>
+            </p:extLst>
+          </p:nvPr>
+        </p:nvSpPr>
+        <p:spPr>
+          <a:xfrm>
+            <a:off x="4241830" y="457200"/>
+            <a:ext cx="3703320" cy="91440"/>
+          </a:xfrm>
+          <a:prstGeom prst="rect">
+            <a:avLst/>
+          </a:prstGeom>
+          <a:solidFill>
+            <a:srgbClr val="CBCE56"/>
+          </a:solidFill>
+          <a:ln>
+            <a:noFill/>
+          </a:ln>
+          <a:effectLst/>
+        </p:spPr>
+        <p:style>
+          <a:lnRef idx="1">
+            <a:schemeClr val="accent1"/>
+          </a:lnRef>
+          <a:fillRef idx="3">
+            <a:schemeClr val="accent1"/>
+          </a:fillRef>
+          <a:effectRef idx="2">
+            <a:schemeClr val="accent1"/>
+          </a:effectRef>
+          <a:fontRef idx="minor">
+            <a:schemeClr val="lt1"/>
+          </a:fontRef>
+        </p:style>
+      </p:sp>
+      <p:sp>
+        <p:nvSpPr>
           <p:cNvPr id="3" name="Tartalom helye 2"/>
           <p:cNvSpPr>
             <a:spLocks noGrp="1"/>
@@ -3945,19 +4126,161 @@
             <p:ph idx="1"/>
           </p:nvPr>
         </p:nvSpPr>
-        <p:spPr/>
-        <p:txBody>
-          <a:bodyPr/>
+        <p:spPr>
+          <a:xfrm>
+            <a:off x="601255" y="1964168"/>
+            <a:ext cx="3409782" cy="4036582"/>
+          </a:xfrm>
+        </p:spPr>
+        <p:txBody>
+          <a:bodyPr>
+            <a:normAutofit/>
+          </a:bodyPr>
           <a:lstStyle/>
           <a:p>
-            <a:endParaRPr lang="hu-HU"/>
+            <a:r>
+              <a:rPr lang="hu-HU" dirty="0">
+                <a:solidFill>
+                  <a:schemeClr val="bg1"/>
+                </a:solidFill>
+              </a:rPr>
+              <a:t>Alaplap, videokártya, processzor hűtő mérete</a:t>
+            </a:r>
+          </a:p>
+          <a:p>
+            <a:r>
+              <a:rPr lang="hu-HU" dirty="0">
+                <a:solidFill>
+                  <a:schemeClr val="bg1"/>
+                </a:solidFill>
+              </a:rPr>
+              <a:t>Elrendezés </a:t>
+            </a:r>
+          </a:p>
+          <a:p>
+            <a:r>
+              <a:rPr lang="hu-HU" dirty="0">
+                <a:solidFill>
+                  <a:schemeClr val="bg1"/>
+                </a:solidFill>
+              </a:rPr>
+              <a:t>Szellőzés</a:t>
+            </a:r>
+          </a:p>
+          <a:p>
+            <a:r>
+              <a:rPr lang="hu-HU" dirty="0">
+                <a:solidFill>
+                  <a:schemeClr val="bg1"/>
+                </a:solidFill>
+              </a:rPr>
+              <a:t>Levegő áramlás figyelemben vétele</a:t>
+            </a:r>
+          </a:p>
+          <a:p>
+            <a:pPr marL="0" indent="0">
+              <a:buNone/>
+            </a:pPr>
+            <a:endParaRPr lang="hu-HU" dirty="0">
+              <a:solidFill>
+                <a:schemeClr val="bg1"/>
+              </a:solidFill>
+            </a:endParaRPr>
+          </a:p>
+          <a:p>
+            <a:endParaRPr lang="hu-HU" dirty="0">
+              <a:solidFill>
+                <a:schemeClr val="bg1"/>
+              </a:solidFill>
+            </a:endParaRPr>
+          </a:p>
+        </p:txBody>
+      </p:sp>
+      <p:pic>
+        <p:nvPicPr>
+          <p:cNvPr id="8194" name="Picture 2" descr="Corsair gépház iCUE 220T RGB Airflow Mid Tower ATX Smart Case, TG, Fekete -  focuscamera.hu">
+            <a:extLst>
+              <a:ext uri="{FF2B5EF4-FFF2-40B4-BE49-F238E27FC236}">
+                <a16:creationId xmlns:a16="http://schemas.microsoft.com/office/drawing/2014/main" id="{98FEE30B-F130-DB19-D7FC-4B80361E0E0D}"/>
+              </a:ext>
+            </a:extLst>
+          </p:cNvPr>
+          <p:cNvPicPr>
+            <a:picLocks noChangeAspect="1" noChangeArrowheads="1"/>
+          </p:cNvPicPr>
+          <p:nvPr/>
+        </p:nvPicPr>
+        <p:blipFill>
+          <a:blip r:embed="rId2">
+            <a:extLst>
+              <a:ext uri="{28A0092B-C50C-407E-A947-70E740481C1C}">
+                <a14:useLocalDpi xmlns:a14="http://schemas.microsoft.com/office/drawing/2010/main" val="0"/>
+              </a:ext>
+            </a:extLst>
+          </a:blip>
+          <a:stretch>
+            <a:fillRect/>
+          </a:stretch>
+        </p:blipFill>
+        <p:spPr bwMode="auto">
+          <a:xfrm>
+            <a:off x="5628999" y="1092186"/>
+            <a:ext cx="4826298" cy="4826298"/>
+          </a:xfrm>
+          <a:prstGeom prst="rect">
+            <a:avLst/>
+          </a:prstGeom>
+          <a:noFill/>
+          <a:extLst>
+            <a:ext uri="{909E8E84-426E-40DD-AFC4-6F175D3DCCD1}">
+              <a14:hiddenFill xmlns:a14="http://schemas.microsoft.com/office/drawing/2010/main">
+                <a:solidFill>
+                  <a:srgbClr val="FFFFFF"/>
+                </a:solidFill>
+              </a14:hiddenFill>
+            </a:ext>
+          </a:extLst>
+        </p:spPr>
+      </p:pic>
+      <p:sp>
+        <p:nvSpPr>
+          <p:cNvPr id="5" name="Szövegdoboz 4">
+            <a:extLst>
+              <a:ext uri="{FF2B5EF4-FFF2-40B4-BE49-F238E27FC236}">
+                <a16:creationId xmlns:a16="http://schemas.microsoft.com/office/drawing/2014/main" id="{B892F880-D3A1-487A-C9E4-A69FEB9FD12C}"/>
+              </a:ext>
+            </a:extLst>
+          </p:cNvPr>
+          <p:cNvSpPr txBox="1"/>
+          <p:nvPr/>
+        </p:nvSpPr>
+        <p:spPr>
+          <a:xfrm>
+            <a:off x="5628999" y="5984250"/>
+            <a:ext cx="2051961" cy="230832"/>
+          </a:xfrm>
+          <a:prstGeom prst="rect">
+            <a:avLst/>
+          </a:prstGeom>
+          <a:noFill/>
+        </p:spPr>
+        <p:txBody>
+          <a:bodyPr wrap="square">
+            <a:spAutoFit/>
+          </a:bodyPr>
+          <a:lstStyle/>
+          <a:p>
+            <a:r>
+              <a:rPr lang="hu-HU" sz="900" dirty="0"/>
+              <a:t>https://tinyurl.com/mr49kmtb</a:t>
+            </a:r>
           </a:p>
         </p:txBody>
       </p:sp>
     </p:spTree>
     <p:extLst>
       <p:ext uri="{BB962C8B-B14F-4D97-AF65-F5344CB8AC3E}">
-        <p14:creationId xmlns:p14="http://schemas.microsoft.com/office/powerpoint/2010/main" val="888304952"/>
+        <p14:creationId xmlns:p14="http://schemas.microsoft.com/office/powerpoint/2010/main" val="4178262707"/>
       </p:ext>
     </p:extLst>
   </p:cSld>
@@ -3970,6 +4293,14 @@
 <file path=ppt/slides/slide11.xml><?xml version="1.0" encoding="utf-8"?>
 <p:sld xmlns:a="http://schemas.openxmlformats.org/drawingml/2006/main" xmlns:r="http://schemas.openxmlformats.org/officeDocument/2006/relationships" xmlns:p="http://schemas.openxmlformats.org/presentationml/2006/main">
   <p:cSld>
+    <p:bg>
+      <p:bgPr>
+        <a:solidFill>
+          <a:schemeClr val="bg1"/>
+        </a:solidFill>
+        <a:effectLst/>
+      </p:bgPr>
+    </p:bg>
     <p:spTree>
       <p:nvGrpSpPr>
         <p:cNvPr id="1" name=""/>
@@ -3984,6 +4315,66 @@
           <a:chExt cx="0" cy="0"/>
         </a:xfrm>
       </p:grpSpPr>
+      <p:sp useBgFill="1">
+        <p:nvSpPr>
+          <p:cNvPr id="10251" name="Rectangle 10250">
+            <a:extLst>
+              <a:ext uri="{FF2B5EF4-FFF2-40B4-BE49-F238E27FC236}">
+                <a16:creationId xmlns:a16="http://schemas.microsoft.com/office/drawing/2014/main" id="{2A74EFE6-7F0E-4B59-B933-BFBD637C98AB}"/>
+              </a:ext>
+              <a:ext uri="{C183D7F6-B498-43B3-948B-1728B52AA6E4}">
+                <adec:decorative xmlns:adec="http://schemas.microsoft.com/office/drawing/2017/decorative" val="1"/>
+              </a:ext>
+            </a:extLst>
+          </p:cNvPr>
+          <p:cNvSpPr>
+            <a:spLocks noGrp="1" noRot="1" noChangeAspect="1" noMove="1" noResize="1" noEditPoints="1" noAdjustHandles="1" noChangeArrowheads="1" noChangeShapeType="1" noTextEdit="1"/>
+          </p:cNvSpPr>
+          <p:nvPr>
+            <p:extLst>
+              <p:ext uri="{386F3935-93C4-4BCD-93E2-E3B085C9AB24}">
+                <p16:designElem xmlns:p16="http://schemas.microsoft.com/office/powerpoint/2015/main" val="1"/>
+              </p:ext>
+            </p:extLst>
+          </p:nvPr>
+        </p:nvSpPr>
+        <p:spPr>
+          <a:xfrm>
+            <a:off x="0" y="0"/>
+            <a:ext cx="12192000" cy="6858000"/>
+          </a:xfrm>
+          <a:prstGeom prst="rect">
+            <a:avLst/>
+          </a:prstGeom>
+          <a:ln>
+            <a:noFill/>
+          </a:ln>
+        </p:spPr>
+        <p:style>
+          <a:lnRef idx="2">
+            <a:schemeClr val="accent1">
+              <a:shade val="50000"/>
+            </a:schemeClr>
+          </a:lnRef>
+          <a:fillRef idx="1">
+            <a:schemeClr val="accent1"/>
+          </a:fillRef>
+          <a:effectRef idx="0">
+            <a:schemeClr val="accent1"/>
+          </a:effectRef>
+          <a:fontRef idx="minor">
+            <a:schemeClr val="lt1"/>
+          </a:fontRef>
+        </p:style>
+        <p:txBody>
+          <a:bodyPr rtlCol="0" anchor="ctr"/>
+          <a:lstStyle/>
+          <a:p>
+            <a:pPr algn="ctr"/>
+            <a:endParaRPr lang="en-US"/>
+          </a:p>
+        </p:txBody>
+      </p:sp>
       <p:sp>
         <p:nvSpPr>
           <p:cNvPr id="2" name="Cím 1"/>
@@ -3994,18 +4385,190 @@
             <p:ph type="title"/>
           </p:nvPr>
         </p:nvSpPr>
-        <p:spPr/>
-        <p:txBody>
-          <a:bodyPr/>
+        <p:spPr>
+          <a:xfrm>
+            <a:off x="584201" y="1107672"/>
+            <a:ext cx="3427985" cy="955501"/>
+          </a:xfrm>
+        </p:spPr>
+        <p:txBody>
+          <a:bodyPr anchor="ctr">
+            <a:normAutofit/>
+          </a:bodyPr>
           <a:lstStyle/>
           <a:p>
             <a:r>
-              <a:rPr lang="hu-HU" dirty="0" smtClean="0"/>
-              <a:t>Operációs rendszer </a:t>
-            </a:r>
-            <a:endParaRPr lang="hu-HU" dirty="0"/>
-          </a:p>
-        </p:txBody>
+              <a:rPr lang="hu-HU">
+                <a:solidFill>
+                  <a:schemeClr val="accent1"/>
+                </a:solidFill>
+              </a:rPr>
+              <a:t>Kiegészítők</a:t>
+            </a:r>
+          </a:p>
+        </p:txBody>
+      </p:sp>
+      <p:sp>
+        <p:nvSpPr>
+          <p:cNvPr id="10253" name="Rectangle 10252">
+            <a:extLst>
+              <a:ext uri="{FF2B5EF4-FFF2-40B4-BE49-F238E27FC236}">
+                <a16:creationId xmlns:a16="http://schemas.microsoft.com/office/drawing/2014/main" id="{EFCE4254-7B12-4B72-B232-2F24D1217971}"/>
+              </a:ext>
+              <a:ext uri="{C183D7F6-B498-43B3-948B-1728B52AA6E4}">
+                <adec:decorative xmlns:adec="http://schemas.microsoft.com/office/drawing/2017/decorative" val="1"/>
+              </a:ext>
+            </a:extLst>
+          </p:cNvPr>
+          <p:cNvSpPr>
+            <a:spLocks noGrp="1" noRot="1" noChangeAspect="1" noMove="1" noResize="1" noEditPoints="1" noAdjustHandles="1" noChangeArrowheads="1" noChangeShapeType="1" noTextEdit="1"/>
+          </p:cNvSpPr>
+          <p:nvPr>
+            <p:extLst>
+              <p:ext uri="{386F3935-93C4-4BCD-93E2-E3B085C9AB24}">
+                <p16:designElem xmlns:p16="http://schemas.microsoft.com/office/powerpoint/2015/main" val="1"/>
+              </p:ext>
+            </p:extLst>
+          </p:nvPr>
+        </p:nvSpPr>
+        <p:spPr>
+          <a:xfrm>
+            <a:off x="446534" y="457200"/>
+            <a:ext cx="3703320" cy="94997"/>
+          </a:xfrm>
+          <a:prstGeom prst="rect">
+            <a:avLst/>
+          </a:prstGeom>
+          <a:solidFill>
+            <a:schemeClr val="accent1"/>
+          </a:solidFill>
+          <a:ln>
+            <a:noFill/>
+          </a:ln>
+          <a:effectLst/>
+        </p:spPr>
+        <p:style>
+          <a:lnRef idx="1">
+            <a:schemeClr val="accent1"/>
+          </a:lnRef>
+          <a:fillRef idx="3">
+            <a:schemeClr val="accent1"/>
+          </a:fillRef>
+          <a:effectRef idx="2">
+            <a:schemeClr val="accent1"/>
+          </a:effectRef>
+          <a:fontRef idx="minor">
+            <a:schemeClr val="lt1"/>
+          </a:fontRef>
+        </p:style>
+      </p:sp>
+      <p:sp>
+        <p:nvSpPr>
+          <p:cNvPr id="10255" name="Rectangle 10254">
+            <a:extLst>
+              <a:ext uri="{FF2B5EF4-FFF2-40B4-BE49-F238E27FC236}">
+                <a16:creationId xmlns:a16="http://schemas.microsoft.com/office/drawing/2014/main" id="{C93EDF8D-4F48-4B26-AFA1-2410766EED45}"/>
+              </a:ext>
+              <a:ext uri="{C183D7F6-B498-43B3-948B-1728B52AA6E4}">
+                <adec:decorative xmlns:adec="http://schemas.microsoft.com/office/drawing/2017/decorative" val="1"/>
+              </a:ext>
+            </a:extLst>
+          </p:cNvPr>
+          <p:cNvSpPr>
+            <a:spLocks noGrp="1" noRot="1" noChangeAspect="1" noMove="1" noResize="1" noEditPoints="1" noAdjustHandles="1" noChangeArrowheads="1" noChangeShapeType="1" noTextEdit="1"/>
+          </p:cNvSpPr>
+          <p:nvPr>
+            <p:extLst>
+              <p:ext uri="{386F3935-93C4-4BCD-93E2-E3B085C9AB24}">
+                <p16:designElem xmlns:p16="http://schemas.microsoft.com/office/powerpoint/2015/main" val="1"/>
+              </p:ext>
+            </p:extLst>
+          </p:nvPr>
+        </p:nvSpPr>
+        <p:spPr>
+          <a:xfrm>
+            <a:off x="4241830" y="457200"/>
+            <a:ext cx="3703320" cy="91440"/>
+          </a:xfrm>
+          <a:prstGeom prst="rect">
+            <a:avLst/>
+          </a:prstGeom>
+          <a:solidFill>
+            <a:srgbClr val="FF5033"/>
+          </a:solidFill>
+          <a:ln>
+            <a:noFill/>
+          </a:ln>
+          <a:effectLst/>
+        </p:spPr>
+        <p:style>
+          <a:lnRef idx="1">
+            <a:schemeClr val="accent1"/>
+          </a:lnRef>
+          <a:fillRef idx="3">
+            <a:schemeClr val="accent1"/>
+          </a:fillRef>
+          <a:effectRef idx="2">
+            <a:schemeClr val="accent1"/>
+          </a:effectRef>
+          <a:fontRef idx="minor">
+            <a:schemeClr val="lt1"/>
+          </a:fontRef>
+        </p:style>
+      </p:sp>
+      <p:sp>
+        <p:nvSpPr>
+          <p:cNvPr id="10257" name="Rectangle 10256">
+            <a:extLst>
+              <a:ext uri="{FF2B5EF4-FFF2-40B4-BE49-F238E27FC236}">
+                <a16:creationId xmlns:a16="http://schemas.microsoft.com/office/drawing/2014/main" id="{5CEB4D8E-5A3D-4348-AB7F-4A919AF8B791}"/>
+              </a:ext>
+              <a:ext uri="{C183D7F6-B498-43B3-948B-1728B52AA6E4}">
+                <adec:decorative xmlns:adec="http://schemas.microsoft.com/office/drawing/2017/decorative" val="1"/>
+              </a:ext>
+            </a:extLst>
+          </p:cNvPr>
+          <p:cNvSpPr>
+            <a:spLocks noGrp="1" noRot="1" noChangeAspect="1" noMove="1" noResize="1" noEditPoints="1" noAdjustHandles="1" noChangeArrowheads="1" noChangeShapeType="1" noTextEdit="1"/>
+          </p:cNvSpPr>
+          <p:nvPr>
+            <p:extLst>
+              <p:ext uri="{386F3935-93C4-4BCD-93E2-E3B085C9AB24}">
+                <p16:designElem xmlns:p16="http://schemas.microsoft.com/office/powerpoint/2015/main" val="1"/>
+              </p:ext>
+            </p:extLst>
+          </p:nvPr>
+        </p:nvSpPr>
+        <p:spPr>
+          <a:xfrm>
+            <a:off x="8042147" y="453643"/>
+            <a:ext cx="3703320" cy="98554"/>
+          </a:xfrm>
+          <a:prstGeom prst="rect">
+            <a:avLst/>
+          </a:prstGeom>
+          <a:solidFill>
+            <a:schemeClr val="accent4"/>
+          </a:solidFill>
+          <a:ln>
+            <a:noFill/>
+          </a:ln>
+          <a:effectLst/>
+        </p:spPr>
+        <p:style>
+          <a:lnRef idx="1">
+            <a:schemeClr val="accent1"/>
+          </a:lnRef>
+          <a:fillRef idx="3">
+            <a:schemeClr val="accent1"/>
+          </a:fillRef>
+          <a:effectRef idx="2">
+            <a:schemeClr val="accent1"/>
+          </a:effectRef>
+          <a:fontRef idx="minor">
+            <a:schemeClr val="lt1"/>
+          </a:fontRef>
+        </p:style>
       </p:sp>
       <p:sp>
         <p:nvSpPr>
@@ -4017,12 +4580,492 @@
             <p:ph idx="1"/>
           </p:nvPr>
         </p:nvSpPr>
-        <p:spPr/>
-        <p:txBody>
-          <a:bodyPr/>
+        <p:spPr>
+          <a:xfrm>
+            <a:off x="584201" y="2150533"/>
+            <a:ext cx="3427985" cy="3708266"/>
+          </a:xfrm>
+        </p:spPr>
+        <p:txBody>
+          <a:bodyPr>
+            <a:normAutofit/>
+          </a:bodyPr>
           <a:lstStyle/>
           <a:p>
-            <a:endParaRPr lang="hu-HU"/>
+            <a:pPr>
+              <a:buClr>
+                <a:srgbClr val="FF5033"/>
+              </a:buClr>
+            </a:pPr>
+            <a:r>
+              <a:rPr lang="hu-HU" dirty="0"/>
+              <a:t>LED szalag </a:t>
+            </a:r>
+          </a:p>
+          <a:p>
+            <a:pPr>
+              <a:buClr>
+                <a:srgbClr val="FF5033"/>
+              </a:buClr>
+            </a:pPr>
+            <a:r>
+              <a:rPr lang="hu-HU" dirty="0"/>
+              <a:t>RGB ventilátor </a:t>
+            </a:r>
+          </a:p>
+          <a:p>
+            <a:pPr>
+              <a:buClr>
+                <a:srgbClr val="FF5033"/>
+              </a:buClr>
+            </a:pPr>
+            <a:r>
+              <a:rPr lang="hu-HU" dirty="0"/>
+              <a:t>Vízhűtés</a:t>
+            </a:r>
+          </a:p>
+          <a:p>
+            <a:pPr>
+              <a:buClr>
+                <a:srgbClr val="FF5033"/>
+              </a:buClr>
+            </a:pPr>
+            <a:r>
+              <a:rPr lang="hu-HU" dirty="0"/>
+              <a:t>Kijelző </a:t>
+            </a:r>
+          </a:p>
+        </p:txBody>
+      </p:sp>
+      <p:sp>
+        <p:nvSpPr>
+          <p:cNvPr id="10259" name="Rectangle 10258">
+            <a:extLst>
+              <a:ext uri="{FF2B5EF4-FFF2-40B4-BE49-F238E27FC236}">
+                <a16:creationId xmlns:a16="http://schemas.microsoft.com/office/drawing/2014/main" id="{85EC3AD1-DA06-4E55-8EEF-07841996508B}"/>
+              </a:ext>
+              <a:ext uri="{C183D7F6-B498-43B3-948B-1728B52AA6E4}">
+                <adec:decorative xmlns:adec="http://schemas.microsoft.com/office/drawing/2017/decorative" val="1"/>
+              </a:ext>
+            </a:extLst>
+          </p:cNvPr>
+          <p:cNvSpPr>
+            <a:spLocks noGrp="1" noRot="1" noChangeAspect="1" noMove="1" noResize="1" noEditPoints="1" noAdjustHandles="1" noChangeArrowheads="1" noChangeShapeType="1" noTextEdit="1"/>
+          </p:cNvSpPr>
+          <p:nvPr>
+            <p:extLst>
+              <p:ext uri="{386F3935-93C4-4BCD-93E2-E3B085C9AB24}">
+                <p16:designElem xmlns:p16="http://schemas.microsoft.com/office/powerpoint/2015/main" val="1"/>
+              </p:ext>
+            </p:extLst>
+          </p:nvPr>
+        </p:nvSpPr>
+        <p:spPr>
+          <a:xfrm>
+            <a:off x="4245433" y="638174"/>
+            <a:ext cx="3680469" cy="2828423"/>
+          </a:xfrm>
+          <a:prstGeom prst="rect">
+            <a:avLst/>
+          </a:prstGeom>
+          <a:noFill/>
+          <a:ln w="19050">
+            <a:solidFill>
+              <a:schemeClr val="accent4"/>
+            </a:solidFill>
+          </a:ln>
+        </p:spPr>
+        <p:style>
+          <a:lnRef idx="2">
+            <a:schemeClr val="accent1">
+              <a:shade val="50000"/>
+            </a:schemeClr>
+          </a:lnRef>
+          <a:fillRef idx="1">
+            <a:schemeClr val="accent1"/>
+          </a:fillRef>
+          <a:effectRef idx="0">
+            <a:schemeClr val="accent1"/>
+          </a:effectRef>
+          <a:fontRef idx="minor">
+            <a:schemeClr val="lt1"/>
+          </a:fontRef>
+        </p:style>
+        <p:txBody>
+          <a:bodyPr rtlCol="0" anchor="ctr"/>
+          <a:lstStyle/>
+          <a:p>
+            <a:pPr algn="ctr"/>
+            <a:endParaRPr lang="en-US"/>
+          </a:p>
+        </p:txBody>
+      </p:sp>
+      <p:pic>
+        <p:nvPicPr>
+          <p:cNvPr id="10246" name="Picture 6" descr="NZXT ventilator Aer RGB 2 120mm - HF-28120-B1 | Gigatron">
+            <a:extLst>
+              <a:ext uri="{FF2B5EF4-FFF2-40B4-BE49-F238E27FC236}">
+                <a16:creationId xmlns:a16="http://schemas.microsoft.com/office/drawing/2014/main" id="{C0F53579-705E-752A-309C-ECFAFFDAC441}"/>
+              </a:ext>
+            </a:extLst>
+          </p:cNvPr>
+          <p:cNvPicPr>
+            <a:picLocks noChangeAspect="1" noChangeArrowheads="1"/>
+          </p:cNvPicPr>
+          <p:nvPr/>
+        </p:nvPicPr>
+        <p:blipFill>
+          <a:blip r:embed="rId2">
+            <a:extLst>
+              <a:ext uri="{28A0092B-C50C-407E-A947-70E740481C1C}">
+                <a14:useLocalDpi xmlns:a14="http://schemas.microsoft.com/office/drawing/2010/main" val="0"/>
+              </a:ext>
+            </a:extLst>
+          </a:blip>
+          <a:stretch>
+            <a:fillRect/>
+          </a:stretch>
+        </p:blipFill>
+        <p:spPr bwMode="auto">
+          <a:xfrm>
+            <a:off x="5013966" y="971404"/>
+            <a:ext cx="2132584" cy="2132584"/>
+          </a:xfrm>
+          <a:prstGeom prst="rect">
+            <a:avLst/>
+          </a:prstGeom>
+          <a:noFill/>
+          <a:extLst>
+            <a:ext uri="{909E8E84-426E-40DD-AFC4-6F175D3DCCD1}">
+              <a14:hiddenFill xmlns:a14="http://schemas.microsoft.com/office/drawing/2010/main">
+                <a:solidFill>
+                  <a:srgbClr val="FFFFFF"/>
+                </a:solidFill>
+              </a14:hiddenFill>
+            </a:ext>
+          </a:extLst>
+        </p:spPr>
+      </p:pic>
+      <p:sp>
+        <p:nvSpPr>
+          <p:cNvPr id="10261" name="Rectangle 10260">
+            <a:extLst>
+              <a:ext uri="{FF2B5EF4-FFF2-40B4-BE49-F238E27FC236}">
+                <a16:creationId xmlns:a16="http://schemas.microsoft.com/office/drawing/2014/main" id="{5EFD83C0-7D88-4396-8CF2-B807E97D61E7}"/>
+              </a:ext>
+              <a:ext uri="{C183D7F6-B498-43B3-948B-1728B52AA6E4}">
+                <adec:decorative xmlns:adec="http://schemas.microsoft.com/office/drawing/2017/decorative" val="1"/>
+              </a:ext>
+            </a:extLst>
+          </p:cNvPr>
+          <p:cNvSpPr>
+            <a:spLocks noGrp="1" noRot="1" noChangeAspect="1" noMove="1" noResize="1" noEditPoints="1" noAdjustHandles="1" noChangeArrowheads="1" noChangeShapeType="1" noTextEdit="1"/>
+          </p:cNvSpPr>
+          <p:nvPr>
+            <p:extLst>
+              <p:ext uri="{386F3935-93C4-4BCD-93E2-E3B085C9AB24}">
+                <p16:designElem xmlns:p16="http://schemas.microsoft.com/office/powerpoint/2015/main" val="1"/>
+              </p:ext>
+            </p:extLst>
+          </p:nvPr>
+        </p:nvSpPr>
+        <p:spPr>
+          <a:xfrm>
+            <a:off x="4251598" y="3568647"/>
+            <a:ext cx="3680469" cy="2828423"/>
+          </a:xfrm>
+          <a:prstGeom prst="rect">
+            <a:avLst/>
+          </a:prstGeom>
+          <a:noFill/>
+          <a:ln w="19050">
+            <a:solidFill>
+              <a:schemeClr val="accent4"/>
+            </a:solidFill>
+          </a:ln>
+        </p:spPr>
+        <p:style>
+          <a:lnRef idx="2">
+            <a:schemeClr val="accent1">
+              <a:shade val="50000"/>
+            </a:schemeClr>
+          </a:lnRef>
+          <a:fillRef idx="1">
+            <a:schemeClr val="accent1"/>
+          </a:fillRef>
+          <a:effectRef idx="0">
+            <a:schemeClr val="accent1"/>
+          </a:effectRef>
+          <a:fontRef idx="minor">
+            <a:schemeClr val="lt1"/>
+          </a:fontRef>
+        </p:style>
+        <p:txBody>
+          <a:bodyPr rtlCol="0" anchor="ctr"/>
+          <a:lstStyle/>
+          <a:p>
+            <a:pPr algn="ctr"/>
+            <a:endParaRPr lang="en-US"/>
+          </a:p>
+        </p:txBody>
+      </p:sp>
+      <p:pic>
+        <p:nvPicPr>
+          <p:cNvPr id="10244" name="Picture 4" descr="Buxton USB-s Led Szalag Tv Világítás 2m Telefonról Vezérelhető - eMAG.hu">
+            <a:extLst>
+              <a:ext uri="{FF2B5EF4-FFF2-40B4-BE49-F238E27FC236}">
+                <a16:creationId xmlns:a16="http://schemas.microsoft.com/office/drawing/2014/main" id="{E63A5A6D-C861-2672-311B-D24CBF8DFDE9}"/>
+              </a:ext>
+            </a:extLst>
+          </p:cNvPr>
+          <p:cNvPicPr>
+            <a:picLocks noChangeAspect="1" noChangeArrowheads="1"/>
+          </p:cNvPicPr>
+          <p:nvPr/>
+        </p:nvPicPr>
+        <p:blipFill>
+          <a:blip r:embed="rId3">
+            <a:extLst>
+              <a:ext uri="{28A0092B-C50C-407E-A947-70E740481C1C}">
+                <a14:useLocalDpi xmlns:a14="http://schemas.microsoft.com/office/drawing/2010/main" val="0"/>
+              </a:ext>
+            </a:extLst>
+          </a:blip>
+          <a:stretch>
+            <a:fillRect/>
+          </a:stretch>
+        </p:blipFill>
+        <p:spPr bwMode="auto">
+          <a:xfrm>
+            <a:off x="5013966" y="3909800"/>
+            <a:ext cx="2132584" cy="2132584"/>
+          </a:xfrm>
+          <a:prstGeom prst="rect">
+            <a:avLst/>
+          </a:prstGeom>
+          <a:noFill/>
+          <a:extLst>
+            <a:ext uri="{909E8E84-426E-40DD-AFC4-6F175D3DCCD1}">
+              <a14:hiddenFill xmlns:a14="http://schemas.microsoft.com/office/drawing/2010/main">
+                <a:solidFill>
+                  <a:srgbClr val="FFFFFF"/>
+                </a:solidFill>
+              </a14:hiddenFill>
+            </a:ext>
+          </a:extLst>
+        </p:spPr>
+      </p:pic>
+      <p:sp>
+        <p:nvSpPr>
+          <p:cNvPr id="10263" name="Rectangle 10262">
+            <a:extLst>
+              <a:ext uri="{FF2B5EF4-FFF2-40B4-BE49-F238E27FC236}">
+                <a16:creationId xmlns:a16="http://schemas.microsoft.com/office/drawing/2014/main" id="{E3A5CDF9-D53B-425C-8FFC-92ACC6A1C165}"/>
+              </a:ext>
+              <a:ext uri="{C183D7F6-B498-43B3-948B-1728B52AA6E4}">
+                <adec:decorative xmlns:adec="http://schemas.microsoft.com/office/drawing/2017/decorative" val="1"/>
+              </a:ext>
+            </a:extLst>
+          </p:cNvPr>
+          <p:cNvSpPr>
+            <a:spLocks noGrp="1" noRot="1" noChangeAspect="1" noMove="1" noResize="1" noEditPoints="1" noAdjustHandles="1" noChangeArrowheads="1" noChangeShapeType="1" noTextEdit="1"/>
+          </p:cNvSpPr>
+          <p:nvPr>
+            <p:extLst>
+              <p:ext uri="{386F3935-93C4-4BCD-93E2-E3B085C9AB24}">
+                <p16:designElem xmlns:p16="http://schemas.microsoft.com/office/powerpoint/2015/main" val="1"/>
+              </p:ext>
+            </p:extLst>
+          </p:nvPr>
+        </p:nvSpPr>
+        <p:spPr>
+          <a:xfrm>
+            <a:off x="8050180" y="638174"/>
+            <a:ext cx="3680469" cy="5755167"/>
+          </a:xfrm>
+          <a:prstGeom prst="rect">
+            <a:avLst/>
+          </a:prstGeom>
+          <a:noFill/>
+          <a:ln w="19050">
+            <a:solidFill>
+              <a:schemeClr val="accent4"/>
+            </a:solidFill>
+          </a:ln>
+        </p:spPr>
+        <p:style>
+          <a:lnRef idx="2">
+            <a:schemeClr val="accent1">
+              <a:shade val="50000"/>
+            </a:schemeClr>
+          </a:lnRef>
+          <a:fillRef idx="1">
+            <a:schemeClr val="accent1"/>
+          </a:fillRef>
+          <a:effectRef idx="0">
+            <a:schemeClr val="accent1"/>
+          </a:effectRef>
+          <a:fontRef idx="minor">
+            <a:schemeClr val="lt1"/>
+          </a:fontRef>
+        </p:style>
+        <p:txBody>
+          <a:bodyPr rtlCol="0" anchor="ctr"/>
+          <a:lstStyle/>
+          <a:p>
+            <a:pPr algn="ctr"/>
+            <a:endParaRPr lang="en-US"/>
+          </a:p>
+        </p:txBody>
+      </p:sp>
+      <p:pic>
+        <p:nvPicPr>
+          <p:cNvPr id="10242" name="Picture 2" descr="Thermaltake View 37 RGB Edition Window Black számítógépház">
+            <a:extLst>
+              <a:ext uri="{FF2B5EF4-FFF2-40B4-BE49-F238E27FC236}">
+                <a16:creationId xmlns:a16="http://schemas.microsoft.com/office/drawing/2014/main" id="{797E2788-2912-4138-2F46-3BBC389EC912}"/>
+              </a:ext>
+            </a:extLst>
+          </p:cNvPr>
+          <p:cNvPicPr>
+            <a:picLocks noChangeAspect="1" noChangeArrowheads="1"/>
+          </p:cNvPicPr>
+          <p:nvPr/>
+        </p:nvPicPr>
+        <p:blipFill>
+          <a:blip r:embed="rId4">
+            <a:extLst>
+              <a:ext uri="{28A0092B-C50C-407E-A947-70E740481C1C}">
+                <a14:useLocalDpi xmlns:a14="http://schemas.microsoft.com/office/drawing/2010/main" val="0"/>
+              </a:ext>
+            </a:extLst>
+          </a:blip>
+          <a:stretch>
+            <a:fillRect/>
+          </a:stretch>
+        </p:blipFill>
+        <p:spPr bwMode="auto">
+          <a:xfrm>
+            <a:off x="8367531" y="1824859"/>
+            <a:ext cx="3033384" cy="3389255"/>
+          </a:xfrm>
+          <a:prstGeom prst="rect">
+            <a:avLst/>
+          </a:prstGeom>
+          <a:noFill/>
+          <a:extLst>
+            <a:ext uri="{909E8E84-426E-40DD-AFC4-6F175D3DCCD1}">
+              <a14:hiddenFill xmlns:a14="http://schemas.microsoft.com/office/drawing/2010/main">
+                <a:solidFill>
+                  <a:srgbClr val="FFFFFF"/>
+                </a:solidFill>
+              </a14:hiddenFill>
+            </a:ext>
+          </a:extLst>
+        </p:spPr>
+      </p:pic>
+      <p:sp>
+        <p:nvSpPr>
+          <p:cNvPr id="7" name="Szövegdoboz 6">
+            <a:extLst>
+              <a:ext uri="{FF2B5EF4-FFF2-40B4-BE49-F238E27FC236}">
+                <a16:creationId xmlns:a16="http://schemas.microsoft.com/office/drawing/2014/main" id="{37BEBA58-4038-D5AC-FFAD-49254A4EF8EB}"/>
+              </a:ext>
+            </a:extLst>
+          </p:cNvPr>
+          <p:cNvSpPr txBox="1"/>
+          <p:nvPr/>
+        </p:nvSpPr>
+        <p:spPr>
+          <a:xfrm>
+            <a:off x="4329537" y="3194456"/>
+            <a:ext cx="1978429" cy="215444"/>
+          </a:xfrm>
+          <a:prstGeom prst="rect">
+            <a:avLst/>
+          </a:prstGeom>
+          <a:noFill/>
+        </p:spPr>
+        <p:txBody>
+          <a:bodyPr wrap="square">
+            <a:spAutoFit/>
+          </a:bodyPr>
+          <a:lstStyle/>
+          <a:p>
+            <a:r>
+              <a:rPr lang="hu-HU" sz="800" dirty="0"/>
+              <a:t>https://tinyurl.com/yckkd5xv</a:t>
+            </a:r>
+          </a:p>
+        </p:txBody>
+      </p:sp>
+      <p:sp>
+        <p:nvSpPr>
+          <p:cNvPr id="9" name="Szövegdoboz 8">
+            <a:extLst>
+              <a:ext uri="{FF2B5EF4-FFF2-40B4-BE49-F238E27FC236}">
+                <a16:creationId xmlns:a16="http://schemas.microsoft.com/office/drawing/2014/main" id="{061A3A78-8E3F-F47A-41F4-D7DEE18750E9}"/>
+              </a:ext>
+            </a:extLst>
+          </p:cNvPr>
+          <p:cNvSpPr txBox="1"/>
+          <p:nvPr/>
+        </p:nvSpPr>
+        <p:spPr>
+          <a:xfrm>
+            <a:off x="4329537" y="6104311"/>
+            <a:ext cx="1852713" cy="230832"/>
+          </a:xfrm>
+          <a:prstGeom prst="rect">
+            <a:avLst/>
+          </a:prstGeom>
+          <a:noFill/>
+        </p:spPr>
+        <p:txBody>
+          <a:bodyPr wrap="square">
+            <a:spAutoFit/>
+          </a:bodyPr>
+          <a:lstStyle/>
+          <a:p>
+            <a:r>
+              <a:rPr lang="hu-HU" sz="900" dirty="0"/>
+              <a:t>https://tinyurl.com/36ysrmef</a:t>
+            </a:r>
+          </a:p>
+        </p:txBody>
+      </p:sp>
+      <p:sp>
+        <p:nvSpPr>
+          <p:cNvPr id="11" name="Szövegdoboz 10">
+            <a:extLst>
+              <a:ext uri="{FF2B5EF4-FFF2-40B4-BE49-F238E27FC236}">
+                <a16:creationId xmlns:a16="http://schemas.microsoft.com/office/drawing/2014/main" id="{951E3A0B-E1CF-D85A-6B37-5B9667CA4FB4}"/>
+              </a:ext>
+            </a:extLst>
+          </p:cNvPr>
+          <p:cNvSpPr txBox="1"/>
+          <p:nvPr/>
+        </p:nvSpPr>
+        <p:spPr>
+          <a:xfrm>
+            <a:off x="8367531" y="5688311"/>
+            <a:ext cx="1969725" cy="230832"/>
+          </a:xfrm>
+          <a:prstGeom prst="rect">
+            <a:avLst/>
+          </a:prstGeom>
+          <a:noFill/>
+        </p:spPr>
+        <p:txBody>
+          <a:bodyPr wrap="square">
+            <a:spAutoFit/>
+          </a:bodyPr>
+          <a:lstStyle/>
+          <a:p>
+            <a:r>
+              <a:rPr lang="hu-HU" sz="900" dirty="0"/>
+              <a:t>https://tinyurl.com/bdufuukt</a:t>
+            </a:r>
           </a:p>
         </p:txBody>
       </p:sp>
@@ -4075,10 +5118,9 @@
           <a:p>
             <a:pPr algn="ctr"/>
             <a:r>
-              <a:rPr lang="hu-HU" sz="4400" dirty="0" smtClean="0"/>
+              <a:rPr lang="hu-HU" sz="4400" dirty="0"/>
               <a:t>Köszönöm a figyelmet </a:t>
             </a:r>
-            <a:endParaRPr lang="hu-HU" sz="4400" dirty="0"/>
           </a:p>
         </p:txBody>
       </p:sp>
@@ -4106,14 +5148,9 @@
           <a:p>
             <a:pPr algn="r"/>
             <a:r>
-              <a:rPr lang="hu-HU" dirty="0" err="1" smtClean="0"/>
-              <a:t>Készitette</a:t>
-            </a:r>
-            <a:r>
-              <a:rPr lang="hu-HU" dirty="0" smtClean="0"/>
-              <a:t>: Kővágó Levente</a:t>
-            </a:r>
-            <a:endParaRPr lang="hu-HU" dirty="0"/>
+              <a:rPr lang="hu-HU" dirty="0"/>
+              <a:t>Készítette: Kővágó Levente</a:t>
+            </a:r>
           </a:p>
         </p:txBody>
       </p:sp>
@@ -4133,6 +5170,14 @@
 <file path=ppt/slides/slide2.xml><?xml version="1.0" encoding="utf-8"?>
 <p:sld xmlns:a="http://schemas.openxmlformats.org/drawingml/2006/main" xmlns:r="http://schemas.openxmlformats.org/officeDocument/2006/relationships" xmlns:p="http://schemas.openxmlformats.org/presentationml/2006/main">
   <p:cSld>
+    <p:bg>
+      <p:bgPr>
+        <a:solidFill>
+          <a:schemeClr val="bg1"/>
+        </a:solidFill>
+        <a:effectLst/>
+      </p:bgPr>
+    </p:bg>
     <p:spTree>
       <p:nvGrpSpPr>
         <p:cNvPr id="1" name=""/>
@@ -4157,18 +5202,78 @@
             <p:ph type="title"/>
           </p:nvPr>
         </p:nvSpPr>
-        <p:spPr/>
-        <p:txBody>
-          <a:bodyPr/>
+        <p:spPr>
+          <a:xfrm>
+            <a:off x="581192" y="702156"/>
+            <a:ext cx="11029616" cy="1013800"/>
+          </a:xfrm>
+        </p:spPr>
+        <p:txBody>
+          <a:bodyPr>
+            <a:normAutofit/>
+          </a:bodyPr>
           <a:lstStyle/>
           <a:p>
             <a:r>
-              <a:rPr lang="hu-HU" dirty="0" smtClean="0"/>
+              <a:rPr lang="hu-HU" dirty="0"/>
               <a:t>Használási cél </a:t>
             </a:r>
-            <a:endParaRPr lang="hu-HU" dirty="0"/>
-          </a:p>
-        </p:txBody>
+          </a:p>
+        </p:txBody>
+      </p:sp>
+      <p:sp>
+        <p:nvSpPr>
+          <p:cNvPr id="1056" name="Rectangle 1045">
+            <a:extLst>
+              <a:ext uri="{FF2B5EF4-FFF2-40B4-BE49-F238E27FC236}">
+                <a16:creationId xmlns:a16="http://schemas.microsoft.com/office/drawing/2014/main" id="{0060324B-FB00-4C3A-8E6D-9A822E5A71EA}"/>
+              </a:ext>
+              <a:ext uri="{C183D7F6-B498-43B3-948B-1728B52AA6E4}">
+                <adec:decorative xmlns:adec="http://schemas.microsoft.com/office/drawing/2017/decorative" val="1"/>
+              </a:ext>
+            </a:extLst>
+          </p:cNvPr>
+          <p:cNvSpPr>
+            <a:spLocks noGrp="1" noRot="1" noChangeAspect="1" noMove="1" noResize="1" noEditPoints="1" noAdjustHandles="1" noChangeArrowheads="1" noChangeShapeType="1" noTextEdit="1"/>
+          </p:cNvSpPr>
+          <p:nvPr>
+            <p:extLst>
+              <p:ext uri="{386F3935-93C4-4BCD-93E2-E3B085C9AB24}">
+                <p16:designElem xmlns:p16="http://schemas.microsoft.com/office/powerpoint/2015/main" val="1"/>
+              </p:ext>
+            </p:extLst>
+          </p:nvPr>
+        </p:nvSpPr>
+        <p:spPr>
+          <a:xfrm>
+            <a:off x="4241830" y="457200"/>
+            <a:ext cx="3703320" cy="91440"/>
+          </a:xfrm>
+          <a:prstGeom prst="rect">
+            <a:avLst/>
+          </a:prstGeom>
+          <a:solidFill>
+            <a:srgbClr val="6D4439"/>
+          </a:solidFill>
+          <a:ln>
+            <a:noFill/>
+          </a:ln>
+          <a:effectLst/>
+        </p:spPr>
+        <p:style>
+          <a:lnRef idx="1">
+            <a:schemeClr val="accent1"/>
+          </a:lnRef>
+          <a:fillRef idx="3">
+            <a:schemeClr val="accent1"/>
+          </a:fillRef>
+          <a:effectRef idx="2">
+            <a:schemeClr val="accent1"/>
+          </a:effectRef>
+          <a:fontRef idx="minor">
+            <a:schemeClr val="lt1"/>
+          </a:fontRef>
+        </p:style>
       </p:sp>
       <p:sp>
         <p:nvSpPr>
@@ -4180,12 +5285,247 @@
             <p:ph idx="1"/>
           </p:nvPr>
         </p:nvSpPr>
-        <p:spPr/>
-        <p:txBody>
-          <a:bodyPr/>
+        <p:spPr>
+          <a:xfrm>
+            <a:off x="581193" y="2402732"/>
+            <a:ext cx="2991734" cy="3456067"/>
+          </a:xfrm>
+        </p:spPr>
+        <p:txBody>
+          <a:bodyPr>
+            <a:normAutofit/>
+          </a:bodyPr>
           <a:lstStyle/>
           <a:p>
-            <a:endParaRPr lang="hu-HU" dirty="0"/>
+            <a:pPr>
+              <a:buClr>
+                <a:srgbClr val="D3993B"/>
+              </a:buClr>
+            </a:pPr>
+            <a:r>
+              <a:rPr lang="hu-HU" dirty="0"/>
+              <a:t>Irodai cél</a:t>
+            </a:r>
+          </a:p>
+          <a:p>
+            <a:pPr marL="324000" lvl="1" indent="0">
+              <a:buClr>
+                <a:srgbClr val="D3993B"/>
+              </a:buClr>
+              <a:buNone/>
+            </a:pPr>
+            <a:r>
+              <a:rPr lang="hu-HU" dirty="0"/>
+              <a:t>	Előre összerakott </a:t>
+            </a:r>
+          </a:p>
+          <a:p>
+            <a:pPr>
+              <a:buClr>
+                <a:srgbClr val="D3993B"/>
+              </a:buClr>
+            </a:pPr>
+            <a:r>
+              <a:rPr lang="hu-HU" dirty="0"/>
+              <a:t>Játékra </a:t>
+            </a:r>
+          </a:p>
+        </p:txBody>
+      </p:sp>
+      <p:pic>
+        <p:nvPicPr>
+          <p:cNvPr id="1026" name="Picture 2" descr="Irodai munka személyiségtípusok, irodai munkák">
+            <a:extLst>
+              <a:ext uri="{FF2B5EF4-FFF2-40B4-BE49-F238E27FC236}">
+                <a16:creationId xmlns:a16="http://schemas.microsoft.com/office/drawing/2014/main" id="{6361CFBE-6088-8923-1194-676449DF19EC}"/>
+              </a:ext>
+            </a:extLst>
+          </p:cNvPr>
+          <p:cNvPicPr>
+            <a:picLocks noChangeAspect="1" noChangeArrowheads="1"/>
+          </p:cNvPicPr>
+          <p:nvPr/>
+        </p:nvPicPr>
+        <p:blipFill rotWithShape="1">
+          <a:blip r:embed="rId2">
+            <a:extLst>
+              <a:ext uri="{28A0092B-C50C-407E-A947-70E740481C1C}">
+                <a14:useLocalDpi xmlns:a14="http://schemas.microsoft.com/office/drawing/2010/main" val="0"/>
+              </a:ext>
+            </a:extLst>
+          </a:blip>
+          <a:srcRect t="10474" r="2" b="2"/>
+          <a:stretch/>
+        </p:blipFill>
+        <p:spPr bwMode="auto">
+          <a:xfrm>
+            <a:off x="3572926" y="2153231"/>
+            <a:ext cx="4576150" cy="2724388"/>
+          </a:xfrm>
+          <a:prstGeom prst="rect">
+            <a:avLst/>
+          </a:prstGeom>
+          <a:noFill/>
+          <a:extLst>
+            <a:ext uri="{909E8E84-426E-40DD-AFC4-6F175D3DCCD1}">
+              <a14:hiddenFill xmlns:a14="http://schemas.microsoft.com/office/drawing/2010/main">
+                <a:solidFill>
+                  <a:srgbClr val="FFFFFF"/>
+                </a:solidFill>
+              </a14:hiddenFill>
+            </a:ext>
+          </a:extLst>
+        </p:spPr>
+      </p:pic>
+      <p:sp>
+        <p:nvSpPr>
+          <p:cNvPr id="7" name="Szövegdoboz 6">
+            <a:extLst>
+              <a:ext uri="{FF2B5EF4-FFF2-40B4-BE49-F238E27FC236}">
+                <a16:creationId xmlns:a16="http://schemas.microsoft.com/office/drawing/2014/main" id="{B4C47AA8-8E01-DFC3-8C33-E2516423B31D}"/>
+              </a:ext>
+            </a:extLst>
+          </p:cNvPr>
+          <p:cNvSpPr txBox="1"/>
+          <p:nvPr/>
+        </p:nvSpPr>
+        <p:spPr>
+          <a:xfrm>
+            <a:off x="9694485" y="4854509"/>
+            <a:ext cx="611153" cy="646331"/>
+          </a:xfrm>
+          <a:prstGeom prst="rect">
+            <a:avLst/>
+          </a:prstGeom>
+          <a:noFill/>
+        </p:spPr>
+        <p:txBody>
+          <a:bodyPr wrap="square">
+            <a:spAutoFit/>
+          </a:bodyPr>
+          <a:lstStyle/>
+          <a:p>
+            <a:r>
+              <a:rPr lang="hu-HU" sz="900" dirty="0"/>
+              <a:t>https://tinyurl.com/582m49x5</a:t>
+            </a:r>
+          </a:p>
+        </p:txBody>
+      </p:sp>
+      <p:pic>
+        <p:nvPicPr>
+          <p:cNvPr id="1030" name="Picture 6" descr="29 Best Gaming Setup Ideas for Every Type of Gamer | CitizenSide">
+            <a:extLst>
+              <a:ext uri="{FF2B5EF4-FFF2-40B4-BE49-F238E27FC236}">
+                <a16:creationId xmlns:a16="http://schemas.microsoft.com/office/drawing/2014/main" id="{B13920E4-CF38-65A5-D06A-D4C37FB73120}"/>
+              </a:ext>
+            </a:extLst>
+          </p:cNvPr>
+          <p:cNvPicPr>
+            <a:picLocks noChangeAspect="1" noChangeArrowheads="1"/>
+          </p:cNvPicPr>
+          <p:nvPr/>
+        </p:nvPicPr>
+        <p:blipFill>
+          <a:blip r:embed="rId3">
+            <a:extLst>
+              <a:ext uri="{28A0092B-C50C-407E-A947-70E740481C1C}">
+                <a14:useLocalDpi xmlns:a14="http://schemas.microsoft.com/office/drawing/2010/main" val="0"/>
+              </a:ext>
+            </a:extLst>
+          </a:blip>
+          <a:srcRect/>
+          <a:stretch>
+            <a:fillRect/>
+          </a:stretch>
+        </p:blipFill>
+        <p:spPr bwMode="auto">
+          <a:xfrm>
+            <a:off x="7079032" y="3952699"/>
+            <a:ext cx="4091629" cy="2724389"/>
+          </a:xfrm>
+          <a:prstGeom prst="rect">
+            <a:avLst/>
+          </a:prstGeom>
+          <a:noFill/>
+          <a:extLst>
+            <a:ext uri="{909E8E84-426E-40DD-AFC4-6F175D3DCCD1}">
+              <a14:hiddenFill xmlns:a14="http://schemas.microsoft.com/office/drawing/2010/main">
+                <a:solidFill>
+                  <a:srgbClr val="FFFFFF"/>
+                </a:solidFill>
+              </a14:hiddenFill>
+            </a:ext>
+          </a:extLst>
+        </p:spPr>
+      </p:pic>
+      <p:sp>
+        <p:nvSpPr>
+          <p:cNvPr id="9" name="Szövegdoboz 8">
+            <a:extLst>
+              <a:ext uri="{FF2B5EF4-FFF2-40B4-BE49-F238E27FC236}">
+                <a16:creationId xmlns:a16="http://schemas.microsoft.com/office/drawing/2014/main" id="{AA87178F-F48D-F8A4-50AF-BF472C0865DD}"/>
+              </a:ext>
+            </a:extLst>
+          </p:cNvPr>
+          <p:cNvSpPr txBox="1"/>
+          <p:nvPr/>
+        </p:nvSpPr>
+        <p:spPr>
+          <a:xfrm>
+            <a:off x="9612458" y="3678261"/>
+            <a:ext cx="1558203" cy="230832"/>
+          </a:xfrm>
+          <a:prstGeom prst="rect">
+            <a:avLst/>
+          </a:prstGeom>
+          <a:noFill/>
+        </p:spPr>
+        <p:txBody>
+          <a:bodyPr wrap="square">
+            <a:spAutoFit/>
+          </a:bodyPr>
+          <a:lstStyle/>
+          <a:p>
+            <a:r>
+              <a:rPr lang="hu-HU" sz="900" dirty="0"/>
+              <a:t>https://tinyurl.com/3k2m5x7b</a:t>
+            </a:r>
+          </a:p>
+        </p:txBody>
+      </p:sp>
+      <p:sp>
+        <p:nvSpPr>
+          <p:cNvPr id="11" name="Szövegdoboz 10">
+            <a:extLst>
+              <a:ext uri="{FF2B5EF4-FFF2-40B4-BE49-F238E27FC236}">
+                <a16:creationId xmlns:a16="http://schemas.microsoft.com/office/drawing/2014/main" id="{D7CDF1C4-DBD8-3094-0305-5130EC632758}"/>
+              </a:ext>
+            </a:extLst>
+          </p:cNvPr>
+          <p:cNvSpPr txBox="1"/>
+          <p:nvPr/>
+        </p:nvSpPr>
+        <p:spPr>
+          <a:xfrm>
+            <a:off x="3572926" y="4921225"/>
+            <a:ext cx="1780470" cy="230832"/>
+          </a:xfrm>
+          <a:prstGeom prst="rect">
+            <a:avLst/>
+          </a:prstGeom>
+          <a:noFill/>
+        </p:spPr>
+        <p:txBody>
+          <a:bodyPr wrap="square">
+            <a:spAutoFit/>
+          </a:bodyPr>
+          <a:lstStyle/>
+          <a:p>
+            <a:r>
+              <a:rPr lang="hu-HU" sz="900" dirty="0"/>
+              <a:t>https://tinyurl.com/582m49x5</a:t>
+            </a:r>
           </a:p>
         </p:txBody>
       </p:sp>
@@ -4205,6 +5545,14 @@
 <file path=ppt/slides/slide3.xml><?xml version="1.0" encoding="utf-8"?>
 <p:sld xmlns:a="http://schemas.openxmlformats.org/drawingml/2006/main" xmlns:r="http://schemas.openxmlformats.org/officeDocument/2006/relationships" xmlns:p="http://schemas.openxmlformats.org/presentationml/2006/main">
   <p:cSld>
+    <p:bg>
+      <p:bgPr>
+        <a:solidFill>
+          <a:schemeClr val="bg1"/>
+        </a:solidFill>
+        <a:effectLst/>
+      </p:bgPr>
+    </p:bg>
     <p:spTree>
       <p:nvGrpSpPr>
         <p:cNvPr id="1" name=""/>
@@ -4219,6 +5567,120 @@
           <a:chExt cx="0" cy="0"/>
         </a:xfrm>
       </p:grpSpPr>
+      <p:sp useBgFill="1">
+        <p:nvSpPr>
+          <p:cNvPr id="2055" name="Rectangle 2054">
+            <a:extLst>
+              <a:ext uri="{FF2B5EF4-FFF2-40B4-BE49-F238E27FC236}">
+                <a16:creationId xmlns:a16="http://schemas.microsoft.com/office/drawing/2014/main" id="{2A28AC4B-805D-4091-A648-61572081C7FB}"/>
+              </a:ext>
+              <a:ext uri="{C183D7F6-B498-43B3-948B-1728B52AA6E4}">
+                <adec:decorative xmlns:adec="http://schemas.microsoft.com/office/drawing/2017/decorative" val="1"/>
+              </a:ext>
+            </a:extLst>
+          </p:cNvPr>
+          <p:cNvSpPr>
+            <a:spLocks noGrp="1" noRot="1" noChangeAspect="1" noMove="1" noResize="1" noEditPoints="1" noAdjustHandles="1" noChangeArrowheads="1" noChangeShapeType="1" noTextEdit="1"/>
+          </p:cNvSpPr>
+          <p:nvPr>
+            <p:extLst>
+              <p:ext uri="{386F3935-93C4-4BCD-93E2-E3B085C9AB24}">
+                <p16:designElem xmlns:p16="http://schemas.microsoft.com/office/powerpoint/2015/main" val="1"/>
+              </p:ext>
+            </p:extLst>
+          </p:nvPr>
+        </p:nvSpPr>
+        <p:spPr>
+          <a:xfrm>
+            <a:off x="0" y="614406"/>
+            <a:ext cx="12192000" cy="6243593"/>
+          </a:xfrm>
+          <a:prstGeom prst="rect">
+            <a:avLst/>
+          </a:prstGeom>
+          <a:ln>
+            <a:noFill/>
+          </a:ln>
+        </p:spPr>
+        <p:style>
+          <a:lnRef idx="2">
+            <a:schemeClr val="accent1">
+              <a:shade val="50000"/>
+            </a:schemeClr>
+          </a:lnRef>
+          <a:fillRef idx="1">
+            <a:schemeClr val="accent1"/>
+          </a:fillRef>
+          <a:effectRef idx="0">
+            <a:schemeClr val="accent1"/>
+          </a:effectRef>
+          <a:fontRef idx="minor">
+            <a:schemeClr val="lt1"/>
+          </a:fontRef>
+        </p:style>
+        <p:txBody>
+          <a:bodyPr rtlCol="0" anchor="ctr"/>
+          <a:lstStyle/>
+          <a:p>
+            <a:pPr algn="ctr"/>
+            <a:endParaRPr lang="en-US"/>
+          </a:p>
+        </p:txBody>
+      </p:sp>
+      <p:sp>
+        <p:nvSpPr>
+          <p:cNvPr id="2057" name="Rectangle 2056">
+            <a:extLst>
+              <a:ext uri="{FF2B5EF4-FFF2-40B4-BE49-F238E27FC236}">
+                <a16:creationId xmlns:a16="http://schemas.microsoft.com/office/drawing/2014/main" id="{39373A6F-2E1F-4613-8E1D-D68057D29F31}"/>
+              </a:ext>
+              <a:ext uri="{C183D7F6-B498-43B3-948B-1728B52AA6E4}">
+                <adec:decorative xmlns:adec="http://schemas.microsoft.com/office/drawing/2017/decorative" val="1"/>
+              </a:ext>
+            </a:extLst>
+          </p:cNvPr>
+          <p:cNvSpPr>
+            <a:spLocks noGrp="1" noRot="1" noChangeAspect="1" noMove="1" noResize="1" noEditPoints="1" noAdjustHandles="1" noChangeArrowheads="1" noChangeShapeType="1" noTextEdit="1"/>
+          </p:cNvSpPr>
+          <p:nvPr>
+            <p:extLst>
+              <p:ext uri="{386F3935-93C4-4BCD-93E2-E3B085C9AB24}">
+                <p16:designElem xmlns:p16="http://schemas.microsoft.com/office/powerpoint/2015/main" val="1"/>
+              </p:ext>
+            </p:extLst>
+          </p:nvPr>
+        </p:nvSpPr>
+        <p:spPr>
+          <a:xfrm>
+            <a:off x="442377" y="614407"/>
+            <a:ext cx="3707477" cy="5611772"/>
+          </a:xfrm>
+          <a:prstGeom prst="rect">
+            <a:avLst/>
+          </a:prstGeom>
+          <a:solidFill>
+            <a:schemeClr val="accent1"/>
+          </a:solidFill>
+          <a:ln>
+            <a:noFill/>
+          </a:ln>
+          <a:effectLst/>
+        </p:spPr>
+        <p:style>
+          <a:lnRef idx="1">
+            <a:schemeClr val="accent1"/>
+          </a:lnRef>
+          <a:fillRef idx="3">
+            <a:schemeClr val="accent1"/>
+          </a:fillRef>
+          <a:effectRef idx="2">
+            <a:schemeClr val="accent1"/>
+          </a:effectRef>
+          <a:fontRef idx="minor">
+            <a:schemeClr val="lt1"/>
+          </a:fontRef>
+        </p:style>
+      </p:sp>
       <p:sp>
         <p:nvSpPr>
           <p:cNvPr id="2" name="Cím 1"/>
@@ -4229,18 +5691,78 @@
             <p:ph type="title"/>
           </p:nvPr>
         </p:nvSpPr>
-        <p:spPr/>
-        <p:txBody>
-          <a:bodyPr/>
+        <p:spPr>
+          <a:xfrm>
+            <a:off x="601255" y="702156"/>
+            <a:ext cx="3409783" cy="1013800"/>
+          </a:xfrm>
+        </p:spPr>
+        <p:txBody>
+          <a:bodyPr>
+            <a:normAutofit/>
+          </a:bodyPr>
           <a:lstStyle/>
           <a:p>
             <a:r>
-              <a:rPr lang="hu-HU" dirty="0" smtClean="0"/>
+              <a:rPr lang="hu-HU" dirty="0"/>
               <a:t>Processzor</a:t>
             </a:r>
-            <a:endParaRPr lang="hu-HU" dirty="0"/>
-          </a:p>
-        </p:txBody>
+          </a:p>
+        </p:txBody>
+      </p:sp>
+      <p:sp>
+        <p:nvSpPr>
+          <p:cNvPr id="2059" name="Rectangle 2058">
+            <a:extLst>
+              <a:ext uri="{FF2B5EF4-FFF2-40B4-BE49-F238E27FC236}">
+                <a16:creationId xmlns:a16="http://schemas.microsoft.com/office/drawing/2014/main" id="{A6D733BE-061E-4600-B6A3-62A68EF2C687}"/>
+              </a:ext>
+              <a:ext uri="{C183D7F6-B498-43B3-948B-1728B52AA6E4}">
+                <adec:decorative xmlns:adec="http://schemas.microsoft.com/office/drawing/2017/decorative" val="1"/>
+              </a:ext>
+            </a:extLst>
+          </p:cNvPr>
+          <p:cNvSpPr>
+            <a:spLocks noGrp="1" noRot="1" noChangeAspect="1" noMove="1" noResize="1" noEditPoints="1" noAdjustHandles="1" noChangeArrowheads="1" noChangeShapeType="1" noTextEdit="1"/>
+          </p:cNvSpPr>
+          <p:nvPr>
+            <p:extLst>
+              <p:ext uri="{386F3935-93C4-4BCD-93E2-E3B085C9AB24}">
+                <p16:designElem xmlns:p16="http://schemas.microsoft.com/office/powerpoint/2015/main" val="1"/>
+              </p:ext>
+            </p:extLst>
+          </p:nvPr>
+        </p:nvSpPr>
+        <p:spPr>
+          <a:xfrm>
+            <a:off x="4241830" y="457200"/>
+            <a:ext cx="3703320" cy="91440"/>
+          </a:xfrm>
+          <a:prstGeom prst="rect">
+            <a:avLst/>
+          </a:prstGeom>
+          <a:solidFill>
+            <a:srgbClr val="FFAD2A"/>
+          </a:solidFill>
+          <a:ln>
+            <a:noFill/>
+          </a:ln>
+          <a:effectLst/>
+        </p:spPr>
+        <p:style>
+          <a:lnRef idx="1">
+            <a:schemeClr val="accent1"/>
+          </a:lnRef>
+          <a:fillRef idx="3">
+            <a:schemeClr val="accent1"/>
+          </a:fillRef>
+          <a:effectRef idx="2">
+            <a:schemeClr val="accent1"/>
+          </a:effectRef>
+          <a:fontRef idx="minor">
+            <a:schemeClr val="lt1"/>
+          </a:fontRef>
+        </p:style>
       </p:sp>
       <p:sp>
         <p:nvSpPr>
@@ -4252,12 +5774,200 @@
             <p:ph idx="1"/>
           </p:nvPr>
         </p:nvSpPr>
-        <p:spPr/>
-        <p:txBody>
-          <a:bodyPr/>
+        <p:spPr>
+          <a:xfrm>
+            <a:off x="601255" y="2140084"/>
+            <a:ext cx="3409782" cy="3860665"/>
+          </a:xfrm>
+        </p:spPr>
+        <p:txBody>
+          <a:bodyPr>
+            <a:normAutofit/>
+          </a:bodyPr>
           <a:lstStyle/>
           <a:p>
-            <a:endParaRPr lang="hu-HU" dirty="0"/>
+            <a:pPr marL="0" indent="0">
+              <a:buNone/>
+            </a:pPr>
+            <a:r>
+              <a:rPr lang="hu-HU" sz="2000" dirty="0">
+                <a:solidFill>
+                  <a:schemeClr val="bg1"/>
+                </a:solidFill>
+              </a:rPr>
+              <a:t>Intel          			  </a:t>
+            </a:r>
+            <a:r>
+              <a:rPr lang="hu-HU" sz="2000" dirty="0" err="1">
+                <a:solidFill>
+                  <a:schemeClr val="bg1"/>
+                </a:solidFill>
+              </a:rPr>
+              <a:t>Ryzen</a:t>
+            </a:r>
+            <a:endParaRPr lang="hu-HU" sz="2000" dirty="0">
+              <a:solidFill>
+                <a:schemeClr val="bg1"/>
+              </a:solidFill>
+            </a:endParaRPr>
+          </a:p>
+          <a:p>
+            <a:pPr marL="0" indent="0">
+              <a:buNone/>
+            </a:pPr>
+            <a:endParaRPr lang="hu-HU" sz="2000" dirty="0">
+              <a:solidFill>
+                <a:schemeClr val="bg1"/>
+              </a:solidFill>
+            </a:endParaRPr>
+          </a:p>
+          <a:p>
+            <a:r>
+              <a:rPr lang="hu-HU" sz="2000" dirty="0">
+                <a:solidFill>
+                  <a:schemeClr val="bg1"/>
+                </a:solidFill>
+              </a:rPr>
+              <a:t>Más méret</a:t>
+            </a:r>
+          </a:p>
+          <a:p>
+            <a:r>
+              <a:rPr lang="hu-HU" sz="2000" dirty="0">
+                <a:solidFill>
+                  <a:schemeClr val="bg1"/>
+                </a:solidFill>
+              </a:rPr>
+              <a:t>Mag és szálak</a:t>
+            </a:r>
+          </a:p>
+          <a:p>
+            <a:r>
+              <a:rPr lang="hu-HU" sz="2000" dirty="0">
+                <a:solidFill>
+                  <a:schemeClr val="bg1"/>
+                </a:solidFill>
+              </a:rPr>
+              <a:t>Kialakítás </a:t>
+            </a:r>
+          </a:p>
+          <a:p>
+            <a:pPr marL="0" indent="0">
+              <a:buNone/>
+            </a:pPr>
+            <a:endParaRPr lang="hu-HU" sz="2000" dirty="0">
+              <a:solidFill>
+                <a:schemeClr val="bg1"/>
+              </a:solidFill>
+            </a:endParaRPr>
+          </a:p>
+          <a:p>
+            <a:pPr marL="0" indent="0">
+              <a:buNone/>
+            </a:pPr>
+            <a:endParaRPr lang="hu-HU" sz="2000" dirty="0">
+              <a:solidFill>
+                <a:schemeClr val="bg1"/>
+              </a:solidFill>
+            </a:endParaRPr>
+          </a:p>
+          <a:p>
+            <a:pPr marL="0" indent="0">
+              <a:buNone/>
+            </a:pPr>
+            <a:endParaRPr lang="hu-HU" sz="2000" dirty="0">
+              <a:solidFill>
+                <a:schemeClr val="bg1"/>
+              </a:solidFill>
+            </a:endParaRPr>
+          </a:p>
+          <a:p>
+            <a:endParaRPr lang="hu-HU" sz="2000" dirty="0">
+              <a:solidFill>
+                <a:schemeClr val="bg1"/>
+              </a:solidFill>
+            </a:endParaRPr>
+          </a:p>
+        </p:txBody>
+      </p:sp>
+      <p:pic>
+        <p:nvPicPr>
+          <p:cNvPr id="2050" name="Picture 2" descr="Intel vs AMD CPUs: Which Is Better? | by James Montantes | Medium">
+            <a:extLst>
+              <a:ext uri="{FF2B5EF4-FFF2-40B4-BE49-F238E27FC236}">
+                <a16:creationId xmlns:a16="http://schemas.microsoft.com/office/drawing/2014/main" id="{6A08A89B-27BA-863D-EDC3-7EEEE59F3A68}"/>
+              </a:ext>
+            </a:extLst>
+          </p:cNvPr>
+          <p:cNvPicPr>
+            <a:picLocks noChangeAspect="1" noChangeArrowheads="1"/>
+          </p:cNvPicPr>
+          <p:nvPr/>
+        </p:nvPicPr>
+        <p:blipFill>
+          <a:blip r:embed="rId2">
+            <a:extLst>
+              <a:ext uri="{28A0092B-C50C-407E-A947-70E740481C1C}">
+                <a14:useLocalDpi xmlns:a14="http://schemas.microsoft.com/office/drawing/2010/main" val="0"/>
+              </a:ext>
+            </a:extLst>
+          </a:blip>
+          <a:stretch>
+            <a:fillRect/>
+          </a:stretch>
+        </p:blipFill>
+        <p:spPr bwMode="auto">
+          <a:xfrm>
+            <a:off x="4791522" y="1492369"/>
+            <a:ext cx="6489819" cy="3893891"/>
+          </a:xfrm>
+          <a:prstGeom prst="rect">
+            <a:avLst/>
+          </a:prstGeom>
+          <a:noFill/>
+          <a:extLst>
+            <a:ext uri="{909E8E84-426E-40DD-AFC4-6F175D3DCCD1}">
+              <a14:hiddenFill xmlns:a14="http://schemas.microsoft.com/office/drawing/2010/main">
+                <a:solidFill>
+                  <a:srgbClr val="FFFFFF"/>
+                </a:solidFill>
+              </a14:hiddenFill>
+            </a:ext>
+          </a:extLst>
+        </p:spPr>
+      </p:pic>
+      <p:sp>
+        <p:nvSpPr>
+          <p:cNvPr id="5" name="Szövegdoboz 4">
+            <a:extLst>
+              <a:ext uri="{FF2B5EF4-FFF2-40B4-BE49-F238E27FC236}">
+                <a16:creationId xmlns:a16="http://schemas.microsoft.com/office/drawing/2014/main" id="{608504A6-6FDA-A1BA-2FB6-1DFE09CEE464}"/>
+              </a:ext>
+            </a:extLst>
+          </p:cNvPr>
+          <p:cNvSpPr txBox="1"/>
+          <p:nvPr/>
+        </p:nvSpPr>
+        <p:spPr>
+          <a:xfrm>
+            <a:off x="4791522" y="5452026"/>
+            <a:ext cx="1825409" cy="230832"/>
+          </a:xfrm>
+          <a:prstGeom prst="rect">
+            <a:avLst/>
+          </a:prstGeom>
+          <a:noFill/>
+        </p:spPr>
+        <p:txBody>
+          <a:bodyPr wrap="square">
+            <a:spAutoFit/>
+          </a:bodyPr>
+          <a:lstStyle/>
+          <a:p>
+            <a:r>
+              <a:rPr lang="hu-HU" sz="900" dirty="0"/>
+              <a:t>https://tinyurl.com/ywv3mt24</a:t>
+            </a:r>
           </a:p>
         </p:txBody>
       </p:sp>
@@ -4277,6 +5987,14 @@
 <file path=ppt/slides/slide4.xml><?xml version="1.0" encoding="utf-8"?>
 <p:sld xmlns:a="http://schemas.openxmlformats.org/drawingml/2006/main" xmlns:r="http://schemas.openxmlformats.org/officeDocument/2006/relationships" xmlns:p="http://schemas.openxmlformats.org/presentationml/2006/main">
   <p:cSld>
+    <p:bg>
+      <p:bgPr>
+        <a:solidFill>
+          <a:schemeClr val="bg1"/>
+        </a:solidFill>
+        <a:effectLst/>
+      </p:bgPr>
+    </p:bg>
     <p:spTree>
       <p:nvGrpSpPr>
         <p:cNvPr id="1" name=""/>
@@ -4291,6 +6009,120 @@
           <a:chExt cx="0" cy="0"/>
         </a:xfrm>
       </p:grpSpPr>
+      <p:sp useBgFill="1">
+        <p:nvSpPr>
+          <p:cNvPr id="3079" name="Rectangle 3078">
+            <a:extLst>
+              <a:ext uri="{FF2B5EF4-FFF2-40B4-BE49-F238E27FC236}">
+                <a16:creationId xmlns:a16="http://schemas.microsoft.com/office/drawing/2014/main" id="{2A28AC4B-805D-4091-A648-61572081C7FB}"/>
+              </a:ext>
+              <a:ext uri="{C183D7F6-B498-43B3-948B-1728B52AA6E4}">
+                <adec:decorative xmlns:adec="http://schemas.microsoft.com/office/drawing/2017/decorative" val="1"/>
+              </a:ext>
+            </a:extLst>
+          </p:cNvPr>
+          <p:cNvSpPr>
+            <a:spLocks noGrp="1" noRot="1" noChangeAspect="1" noMove="1" noResize="1" noEditPoints="1" noAdjustHandles="1" noChangeArrowheads="1" noChangeShapeType="1" noTextEdit="1"/>
+          </p:cNvSpPr>
+          <p:nvPr>
+            <p:extLst>
+              <p:ext uri="{386F3935-93C4-4BCD-93E2-E3B085C9AB24}">
+                <p16:designElem xmlns:p16="http://schemas.microsoft.com/office/powerpoint/2015/main" val="1"/>
+              </p:ext>
+            </p:extLst>
+          </p:nvPr>
+        </p:nvSpPr>
+        <p:spPr>
+          <a:xfrm>
+            <a:off x="0" y="614406"/>
+            <a:ext cx="12192000" cy="6243593"/>
+          </a:xfrm>
+          <a:prstGeom prst="rect">
+            <a:avLst/>
+          </a:prstGeom>
+          <a:ln>
+            <a:noFill/>
+          </a:ln>
+        </p:spPr>
+        <p:style>
+          <a:lnRef idx="2">
+            <a:schemeClr val="accent1">
+              <a:shade val="50000"/>
+            </a:schemeClr>
+          </a:lnRef>
+          <a:fillRef idx="1">
+            <a:schemeClr val="accent1"/>
+          </a:fillRef>
+          <a:effectRef idx="0">
+            <a:schemeClr val="accent1"/>
+          </a:effectRef>
+          <a:fontRef idx="minor">
+            <a:schemeClr val="lt1"/>
+          </a:fontRef>
+        </p:style>
+        <p:txBody>
+          <a:bodyPr rtlCol="0" anchor="ctr"/>
+          <a:lstStyle/>
+          <a:p>
+            <a:pPr algn="ctr"/>
+            <a:endParaRPr lang="en-US"/>
+          </a:p>
+        </p:txBody>
+      </p:sp>
+      <p:sp>
+        <p:nvSpPr>
+          <p:cNvPr id="3081" name="Rectangle 3080">
+            <a:extLst>
+              <a:ext uri="{FF2B5EF4-FFF2-40B4-BE49-F238E27FC236}">
+                <a16:creationId xmlns:a16="http://schemas.microsoft.com/office/drawing/2014/main" id="{39373A6F-2E1F-4613-8E1D-D68057D29F31}"/>
+              </a:ext>
+              <a:ext uri="{C183D7F6-B498-43B3-948B-1728B52AA6E4}">
+                <adec:decorative xmlns:adec="http://schemas.microsoft.com/office/drawing/2017/decorative" val="1"/>
+              </a:ext>
+            </a:extLst>
+          </p:cNvPr>
+          <p:cNvSpPr>
+            <a:spLocks noGrp="1" noRot="1" noChangeAspect="1" noMove="1" noResize="1" noEditPoints="1" noAdjustHandles="1" noChangeArrowheads="1" noChangeShapeType="1" noTextEdit="1"/>
+          </p:cNvSpPr>
+          <p:nvPr>
+            <p:extLst>
+              <p:ext uri="{386F3935-93C4-4BCD-93E2-E3B085C9AB24}">
+                <p16:designElem xmlns:p16="http://schemas.microsoft.com/office/powerpoint/2015/main" val="1"/>
+              </p:ext>
+            </p:extLst>
+          </p:nvPr>
+        </p:nvSpPr>
+        <p:spPr>
+          <a:xfrm>
+            <a:off x="442377" y="614407"/>
+            <a:ext cx="3707477" cy="5611772"/>
+          </a:xfrm>
+          <a:prstGeom prst="rect">
+            <a:avLst/>
+          </a:prstGeom>
+          <a:solidFill>
+            <a:schemeClr val="accent1"/>
+          </a:solidFill>
+          <a:ln>
+            <a:noFill/>
+          </a:ln>
+          <a:effectLst/>
+        </p:spPr>
+        <p:style>
+          <a:lnRef idx="1">
+            <a:schemeClr val="accent1"/>
+          </a:lnRef>
+          <a:fillRef idx="3">
+            <a:schemeClr val="accent1"/>
+          </a:fillRef>
+          <a:effectRef idx="2">
+            <a:schemeClr val="accent1"/>
+          </a:effectRef>
+          <a:fontRef idx="minor">
+            <a:schemeClr val="lt1"/>
+          </a:fontRef>
+        </p:style>
+      </p:sp>
       <p:sp>
         <p:nvSpPr>
           <p:cNvPr id="2" name="Cím 1"/>
@@ -4301,18 +6133,78 @@
             <p:ph type="title"/>
           </p:nvPr>
         </p:nvSpPr>
-        <p:spPr/>
-        <p:txBody>
-          <a:bodyPr/>
+        <p:spPr>
+          <a:xfrm>
+            <a:off x="601255" y="702156"/>
+            <a:ext cx="3409783" cy="1013800"/>
+          </a:xfrm>
+        </p:spPr>
+        <p:txBody>
+          <a:bodyPr>
+            <a:normAutofit/>
+          </a:bodyPr>
           <a:lstStyle/>
           <a:p>
             <a:r>
-              <a:rPr lang="hu-HU" dirty="0" smtClean="0"/>
+              <a:rPr lang="hu-HU" dirty="0"/>
               <a:t>alaplap</a:t>
             </a:r>
-            <a:endParaRPr lang="hu-HU" dirty="0"/>
-          </a:p>
-        </p:txBody>
+          </a:p>
+        </p:txBody>
+      </p:sp>
+      <p:sp>
+        <p:nvSpPr>
+          <p:cNvPr id="3083" name="Rectangle 3082">
+            <a:extLst>
+              <a:ext uri="{FF2B5EF4-FFF2-40B4-BE49-F238E27FC236}">
+                <a16:creationId xmlns:a16="http://schemas.microsoft.com/office/drawing/2014/main" id="{A6D733BE-061E-4600-B6A3-62A68EF2C687}"/>
+              </a:ext>
+              <a:ext uri="{C183D7F6-B498-43B3-948B-1728B52AA6E4}">
+                <adec:decorative xmlns:adec="http://schemas.microsoft.com/office/drawing/2017/decorative" val="1"/>
+              </a:ext>
+            </a:extLst>
+          </p:cNvPr>
+          <p:cNvSpPr>
+            <a:spLocks noGrp="1" noRot="1" noChangeAspect="1" noMove="1" noResize="1" noEditPoints="1" noAdjustHandles="1" noChangeArrowheads="1" noChangeShapeType="1" noTextEdit="1"/>
+          </p:cNvSpPr>
+          <p:nvPr>
+            <p:extLst>
+              <p:ext uri="{386F3935-93C4-4BCD-93E2-E3B085C9AB24}">
+                <p16:designElem xmlns:p16="http://schemas.microsoft.com/office/powerpoint/2015/main" val="1"/>
+              </p:ext>
+            </p:extLst>
+          </p:nvPr>
+        </p:nvSpPr>
+        <p:spPr>
+          <a:xfrm>
+            <a:off x="4241830" y="457200"/>
+            <a:ext cx="3703320" cy="91440"/>
+          </a:xfrm>
+          <a:prstGeom prst="rect">
+            <a:avLst/>
+          </a:prstGeom>
+          <a:solidFill>
+            <a:srgbClr val="66CDF2"/>
+          </a:solidFill>
+          <a:ln>
+            <a:noFill/>
+          </a:ln>
+          <a:effectLst/>
+        </p:spPr>
+        <p:style>
+          <a:lnRef idx="1">
+            <a:schemeClr val="accent1"/>
+          </a:lnRef>
+          <a:fillRef idx="3">
+            <a:schemeClr val="accent1"/>
+          </a:fillRef>
+          <a:effectRef idx="2">
+            <a:schemeClr val="accent1"/>
+          </a:effectRef>
+          <a:fontRef idx="minor">
+            <a:schemeClr val="lt1"/>
+          </a:fontRef>
+        </p:style>
       </p:sp>
       <p:sp>
         <p:nvSpPr>
@@ -4324,12 +6216,127 @@
             <p:ph idx="1"/>
           </p:nvPr>
         </p:nvSpPr>
-        <p:spPr/>
-        <p:txBody>
-          <a:bodyPr/>
+        <p:spPr>
+          <a:xfrm>
+            <a:off x="601255" y="1964168"/>
+            <a:ext cx="3409782" cy="4036582"/>
+          </a:xfrm>
+        </p:spPr>
+        <p:txBody>
+          <a:bodyPr>
+            <a:normAutofit/>
+          </a:bodyPr>
           <a:lstStyle/>
           <a:p>
-            <a:endParaRPr lang="hu-HU"/>
+            <a:r>
+              <a:rPr lang="hu-HU">
+                <a:solidFill>
+                  <a:schemeClr val="bg1"/>
+                </a:solidFill>
+              </a:rPr>
+              <a:t>Méret </a:t>
+            </a:r>
+          </a:p>
+          <a:p>
+            <a:r>
+              <a:rPr lang="hu-HU">
+                <a:solidFill>
+                  <a:schemeClr val="bg1"/>
+                </a:solidFill>
+              </a:rPr>
+              <a:t>Kialakítás </a:t>
+            </a:r>
+          </a:p>
+          <a:p>
+            <a:r>
+              <a:rPr lang="hu-HU">
+                <a:solidFill>
+                  <a:schemeClr val="bg1"/>
+                </a:solidFill>
+              </a:rPr>
+              <a:t>Processzorhoz passzoló</a:t>
+            </a:r>
+          </a:p>
+        </p:txBody>
+      </p:sp>
+      <p:pic>
+        <p:nvPicPr>
+          <p:cNvPr id="3074" name="Picture 2" descr="Asus ROG STRIX Z490-E GAMING ATX alaplap Alaplap">
+            <a:extLst>
+              <a:ext uri="{FF2B5EF4-FFF2-40B4-BE49-F238E27FC236}">
+                <a16:creationId xmlns:a16="http://schemas.microsoft.com/office/drawing/2014/main" id="{C467FB0D-6820-9A6A-A150-21C3665FF0E5}"/>
+              </a:ext>
+            </a:extLst>
+          </p:cNvPr>
+          <p:cNvPicPr>
+            <a:picLocks noChangeAspect="1" noChangeArrowheads="1"/>
+          </p:cNvPicPr>
+          <p:nvPr/>
+        </p:nvPicPr>
+        <p:blipFill>
+          <a:blip r:embed="rId2">
+            <a:extLst>
+              <a:ext uri="{28A0092B-C50C-407E-A947-70E740481C1C}">
+                <a14:useLocalDpi xmlns:a14="http://schemas.microsoft.com/office/drawing/2010/main" val="0"/>
+              </a:ext>
+            </a:extLst>
+          </a:blip>
+          <a:stretch>
+            <a:fillRect/>
+          </a:stretch>
+        </p:blipFill>
+        <p:spPr bwMode="auto">
+          <a:xfrm>
+            <a:off x="4592231" y="1001949"/>
+            <a:ext cx="6612949" cy="5224230"/>
+          </a:xfrm>
+          <a:prstGeom prst="rect">
+            <a:avLst/>
+          </a:prstGeom>
+          <a:noFill/>
+          <a:extLst>
+            <a:ext uri="{909E8E84-426E-40DD-AFC4-6F175D3DCCD1}">
+              <a14:hiddenFill xmlns:a14="http://schemas.microsoft.com/office/drawing/2010/main">
+                <a:solidFill>
+                  <a:srgbClr val="FFFFFF"/>
+                </a:solidFill>
+              </a14:hiddenFill>
+            </a:ext>
+          </a:extLst>
+        </p:spPr>
+      </p:pic>
+      <p:sp>
+        <p:nvSpPr>
+          <p:cNvPr id="5" name="Szövegdoboz 4">
+            <a:extLst>
+              <a:ext uri="{FF2B5EF4-FFF2-40B4-BE49-F238E27FC236}">
+                <a16:creationId xmlns:a16="http://schemas.microsoft.com/office/drawing/2014/main" id="{6E95FA9C-A48A-ECC7-DFF9-4796CF7357A0}"/>
+              </a:ext>
+            </a:extLst>
+          </p:cNvPr>
+          <p:cNvSpPr txBox="1"/>
+          <p:nvPr/>
+        </p:nvSpPr>
+        <p:spPr>
+          <a:xfrm>
+            <a:off x="5193377" y="6172757"/>
+            <a:ext cx="1864128" cy="230832"/>
+          </a:xfrm>
+          <a:prstGeom prst="rect">
+            <a:avLst/>
+          </a:prstGeom>
+          <a:noFill/>
+        </p:spPr>
+        <p:txBody>
+          <a:bodyPr wrap="square">
+            <a:spAutoFit/>
+          </a:bodyPr>
+          <a:lstStyle/>
+          <a:p>
+            <a:r>
+              <a:rPr lang="hu-HU" sz="900" dirty="0"/>
+              <a:t>https://tinyurl.com/yn56wuj2</a:t>
+            </a:r>
           </a:p>
         </p:txBody>
       </p:sp>
@@ -4349,6 +6356,14 @@
 <file path=ppt/slides/slide5.xml><?xml version="1.0" encoding="utf-8"?>
 <p:sld xmlns:a="http://schemas.openxmlformats.org/drawingml/2006/main" xmlns:r="http://schemas.openxmlformats.org/officeDocument/2006/relationships" xmlns:p="http://schemas.openxmlformats.org/presentationml/2006/main">
   <p:cSld>
+    <p:bg>
+      <p:bgPr>
+        <a:solidFill>
+          <a:schemeClr val="bg1"/>
+        </a:solidFill>
+        <a:effectLst/>
+      </p:bgPr>
+    </p:bg>
     <p:spTree>
       <p:nvGrpSpPr>
         <p:cNvPr id="1" name=""/>
@@ -4363,6 +6378,120 @@
           <a:chExt cx="0" cy="0"/>
         </a:xfrm>
       </p:grpSpPr>
+      <p:sp useBgFill="1">
+        <p:nvSpPr>
+          <p:cNvPr id="4105" name="Rectangle 4104">
+            <a:extLst>
+              <a:ext uri="{FF2B5EF4-FFF2-40B4-BE49-F238E27FC236}">
+                <a16:creationId xmlns:a16="http://schemas.microsoft.com/office/drawing/2014/main" id="{2A28AC4B-805D-4091-A648-61572081C7FB}"/>
+              </a:ext>
+              <a:ext uri="{C183D7F6-B498-43B3-948B-1728B52AA6E4}">
+                <adec:decorative xmlns:adec="http://schemas.microsoft.com/office/drawing/2017/decorative" val="1"/>
+              </a:ext>
+            </a:extLst>
+          </p:cNvPr>
+          <p:cNvSpPr>
+            <a:spLocks noGrp="1" noRot="1" noChangeAspect="1" noMove="1" noResize="1" noEditPoints="1" noAdjustHandles="1" noChangeArrowheads="1" noChangeShapeType="1" noTextEdit="1"/>
+          </p:cNvSpPr>
+          <p:nvPr>
+            <p:extLst>
+              <p:ext uri="{386F3935-93C4-4BCD-93E2-E3B085C9AB24}">
+                <p16:designElem xmlns:p16="http://schemas.microsoft.com/office/powerpoint/2015/main" val="1"/>
+              </p:ext>
+            </p:extLst>
+          </p:nvPr>
+        </p:nvSpPr>
+        <p:spPr>
+          <a:xfrm>
+            <a:off x="0" y="614406"/>
+            <a:ext cx="12192000" cy="6243593"/>
+          </a:xfrm>
+          <a:prstGeom prst="rect">
+            <a:avLst/>
+          </a:prstGeom>
+          <a:ln>
+            <a:noFill/>
+          </a:ln>
+        </p:spPr>
+        <p:style>
+          <a:lnRef idx="2">
+            <a:schemeClr val="accent1">
+              <a:shade val="50000"/>
+            </a:schemeClr>
+          </a:lnRef>
+          <a:fillRef idx="1">
+            <a:schemeClr val="accent1"/>
+          </a:fillRef>
+          <a:effectRef idx="0">
+            <a:schemeClr val="accent1"/>
+          </a:effectRef>
+          <a:fontRef idx="minor">
+            <a:schemeClr val="lt1"/>
+          </a:fontRef>
+        </p:style>
+        <p:txBody>
+          <a:bodyPr rtlCol="0" anchor="ctr"/>
+          <a:lstStyle/>
+          <a:p>
+            <a:pPr algn="ctr"/>
+            <a:endParaRPr lang="en-US"/>
+          </a:p>
+        </p:txBody>
+      </p:sp>
+      <p:sp>
+        <p:nvSpPr>
+          <p:cNvPr id="4107" name="Rectangle 4106">
+            <a:extLst>
+              <a:ext uri="{FF2B5EF4-FFF2-40B4-BE49-F238E27FC236}">
+                <a16:creationId xmlns:a16="http://schemas.microsoft.com/office/drawing/2014/main" id="{39373A6F-2E1F-4613-8E1D-D68057D29F31}"/>
+              </a:ext>
+              <a:ext uri="{C183D7F6-B498-43B3-948B-1728B52AA6E4}">
+                <adec:decorative xmlns:adec="http://schemas.microsoft.com/office/drawing/2017/decorative" val="1"/>
+              </a:ext>
+            </a:extLst>
+          </p:cNvPr>
+          <p:cNvSpPr>
+            <a:spLocks noGrp="1" noRot="1" noChangeAspect="1" noMove="1" noResize="1" noEditPoints="1" noAdjustHandles="1" noChangeArrowheads="1" noChangeShapeType="1" noTextEdit="1"/>
+          </p:cNvSpPr>
+          <p:nvPr>
+            <p:extLst>
+              <p:ext uri="{386F3935-93C4-4BCD-93E2-E3B085C9AB24}">
+                <p16:designElem xmlns:p16="http://schemas.microsoft.com/office/powerpoint/2015/main" val="1"/>
+              </p:ext>
+            </p:extLst>
+          </p:nvPr>
+        </p:nvSpPr>
+        <p:spPr>
+          <a:xfrm>
+            <a:off x="442377" y="614407"/>
+            <a:ext cx="3707477" cy="5611772"/>
+          </a:xfrm>
+          <a:prstGeom prst="rect">
+            <a:avLst/>
+          </a:prstGeom>
+          <a:solidFill>
+            <a:schemeClr val="accent1"/>
+          </a:solidFill>
+          <a:ln>
+            <a:noFill/>
+          </a:ln>
+          <a:effectLst/>
+        </p:spPr>
+        <p:style>
+          <a:lnRef idx="1">
+            <a:schemeClr val="accent1"/>
+          </a:lnRef>
+          <a:fillRef idx="3">
+            <a:schemeClr val="accent1"/>
+          </a:fillRef>
+          <a:effectRef idx="2">
+            <a:schemeClr val="accent1"/>
+          </a:effectRef>
+          <a:fontRef idx="minor">
+            <a:schemeClr val="lt1"/>
+          </a:fontRef>
+        </p:style>
+      </p:sp>
       <p:sp>
         <p:nvSpPr>
           <p:cNvPr id="2" name="Cím 1"/>
@@ -4373,18 +6502,78 @@
             <p:ph type="title"/>
           </p:nvPr>
         </p:nvSpPr>
-        <p:spPr/>
-        <p:txBody>
-          <a:bodyPr/>
+        <p:spPr>
+          <a:xfrm>
+            <a:off x="601255" y="702156"/>
+            <a:ext cx="3409783" cy="1013800"/>
+          </a:xfrm>
+        </p:spPr>
+        <p:txBody>
+          <a:bodyPr>
+            <a:normAutofit/>
+          </a:bodyPr>
           <a:lstStyle/>
           <a:p>
             <a:r>
-              <a:rPr lang="hu-HU" dirty="0" smtClean="0"/>
+              <a:rPr lang="hu-HU" dirty="0"/>
               <a:t>videokártya</a:t>
             </a:r>
-            <a:endParaRPr lang="hu-HU" dirty="0"/>
-          </a:p>
-        </p:txBody>
+          </a:p>
+        </p:txBody>
+      </p:sp>
+      <p:sp>
+        <p:nvSpPr>
+          <p:cNvPr id="4109" name="Rectangle 4108">
+            <a:extLst>
+              <a:ext uri="{FF2B5EF4-FFF2-40B4-BE49-F238E27FC236}">
+                <a16:creationId xmlns:a16="http://schemas.microsoft.com/office/drawing/2014/main" id="{A6D733BE-061E-4600-B6A3-62A68EF2C687}"/>
+              </a:ext>
+              <a:ext uri="{C183D7F6-B498-43B3-948B-1728B52AA6E4}">
+                <adec:decorative xmlns:adec="http://schemas.microsoft.com/office/drawing/2017/decorative" val="1"/>
+              </a:ext>
+            </a:extLst>
+          </p:cNvPr>
+          <p:cNvSpPr>
+            <a:spLocks noGrp="1" noRot="1" noChangeAspect="1" noMove="1" noResize="1" noEditPoints="1" noAdjustHandles="1" noChangeArrowheads="1" noChangeShapeType="1" noTextEdit="1"/>
+          </p:cNvSpPr>
+          <p:nvPr>
+            <p:extLst>
+              <p:ext uri="{386F3935-93C4-4BCD-93E2-E3B085C9AB24}">
+                <p16:designElem xmlns:p16="http://schemas.microsoft.com/office/powerpoint/2015/main" val="1"/>
+              </p:ext>
+            </p:extLst>
+          </p:nvPr>
+        </p:nvSpPr>
+        <p:spPr>
+          <a:xfrm>
+            <a:off x="4241830" y="457200"/>
+            <a:ext cx="3703320" cy="91440"/>
+          </a:xfrm>
+          <a:prstGeom prst="rect">
+            <a:avLst/>
+          </a:prstGeom>
+          <a:solidFill>
+            <a:srgbClr val="927956"/>
+          </a:solidFill>
+          <a:ln>
+            <a:noFill/>
+          </a:ln>
+          <a:effectLst/>
+        </p:spPr>
+        <p:style>
+          <a:lnRef idx="1">
+            <a:schemeClr val="accent1"/>
+          </a:lnRef>
+          <a:fillRef idx="3">
+            <a:schemeClr val="accent1"/>
+          </a:fillRef>
+          <a:effectRef idx="2">
+            <a:schemeClr val="accent1"/>
+          </a:effectRef>
+          <a:fontRef idx="minor">
+            <a:schemeClr val="lt1"/>
+          </a:fontRef>
+        </p:style>
       </p:sp>
       <p:sp>
         <p:nvSpPr>
@@ -4396,12 +6585,189 @@
             <p:ph idx="1"/>
           </p:nvPr>
         </p:nvSpPr>
-        <p:spPr/>
-        <p:txBody>
-          <a:bodyPr/>
+        <p:spPr>
+          <a:xfrm>
+            <a:off x="601255" y="1964168"/>
+            <a:ext cx="3409782" cy="4036582"/>
+          </a:xfrm>
+        </p:spPr>
+        <p:txBody>
+          <a:bodyPr>
+            <a:normAutofit/>
+          </a:bodyPr>
           <a:lstStyle/>
           <a:p>
-            <a:endParaRPr lang="hu-HU"/>
+            <a:r>
+              <a:rPr lang="hu-HU" dirty="0">
+                <a:solidFill>
+                  <a:schemeClr val="bg1"/>
+                </a:solidFill>
+              </a:rPr>
+              <a:t>AMD</a:t>
+            </a:r>
+          </a:p>
+          <a:p>
+            <a:r>
+              <a:rPr lang="hu-HU" dirty="0" err="1">
+                <a:solidFill>
+                  <a:schemeClr val="bg1"/>
+                </a:solidFill>
+              </a:rPr>
+              <a:t>Nvidia</a:t>
+            </a:r>
+            <a:endParaRPr lang="hu-HU" dirty="0">
+              <a:solidFill>
+                <a:schemeClr val="bg1"/>
+              </a:solidFill>
+            </a:endParaRPr>
+          </a:p>
+          <a:p>
+            <a:endParaRPr lang="hu-HU" dirty="0">
+              <a:solidFill>
+                <a:schemeClr val="bg1"/>
+              </a:solidFill>
+            </a:endParaRPr>
+          </a:p>
+          <a:p>
+            <a:pPr marL="0" indent="0">
+              <a:buNone/>
+            </a:pPr>
+            <a:r>
+              <a:rPr lang="hu-HU" dirty="0">
+                <a:solidFill>
+                  <a:schemeClr val="bg1"/>
+                </a:solidFill>
+              </a:rPr>
+              <a:t>VRAM mérete </a:t>
+            </a:r>
+          </a:p>
+          <a:p>
+            <a:pPr marL="0" indent="0">
+              <a:buNone/>
+            </a:pPr>
+            <a:r>
+              <a:rPr lang="hu-HU" dirty="0">
+                <a:solidFill>
+                  <a:schemeClr val="bg1"/>
+                </a:solidFill>
+              </a:rPr>
+              <a:t>Csatlakozók </a:t>
+            </a:r>
+          </a:p>
+          <a:p>
+            <a:pPr marL="0" indent="0">
+              <a:buNone/>
+            </a:pPr>
+            <a:endParaRPr lang="hu-HU" dirty="0">
+              <a:solidFill>
+                <a:schemeClr val="bg1"/>
+              </a:solidFill>
+            </a:endParaRPr>
+          </a:p>
+          <a:p>
+            <a:endParaRPr lang="hu-HU" dirty="0">
+              <a:solidFill>
+                <a:schemeClr val="bg1"/>
+              </a:solidFill>
+            </a:endParaRPr>
+          </a:p>
+          <a:p>
+            <a:pPr marL="0" indent="0">
+              <a:buNone/>
+            </a:pPr>
+            <a:endParaRPr lang="hu-HU" dirty="0">
+              <a:solidFill>
+                <a:schemeClr val="bg1"/>
+              </a:solidFill>
+            </a:endParaRPr>
+          </a:p>
+          <a:p>
+            <a:endParaRPr lang="hu-HU" dirty="0">
+              <a:solidFill>
+                <a:schemeClr val="bg1"/>
+              </a:solidFill>
+            </a:endParaRPr>
+          </a:p>
+        </p:txBody>
+      </p:sp>
+      <p:pic>
+        <p:nvPicPr>
+          <p:cNvPr id="4100" name="Picture 4" descr="GIGABYTE GeForce GTX 1650 D6 WINDFORCE OC 4GB GDDR5 128bit Videokártya -  eMAG.hu">
+            <a:extLst>
+              <a:ext uri="{FF2B5EF4-FFF2-40B4-BE49-F238E27FC236}">
+                <a16:creationId xmlns:a16="http://schemas.microsoft.com/office/drawing/2014/main" id="{6B4BCA03-07F7-44E8-1C52-F7E63801765E}"/>
+              </a:ext>
+            </a:extLst>
+          </p:cNvPr>
+          <p:cNvPicPr>
+            <a:picLocks noChangeAspect="1" noChangeArrowheads="1"/>
+          </p:cNvPicPr>
+          <p:nvPr/>
+        </p:nvPicPr>
+        <p:blipFill>
+          <a:blip r:embed="rId2">
+            <a:extLst>
+              <a:ext uri="{28A0092B-C50C-407E-A947-70E740481C1C}">
+                <a14:useLocalDpi xmlns:a14="http://schemas.microsoft.com/office/drawing/2010/main" val="0"/>
+              </a:ext>
+            </a:extLst>
+          </a:blip>
+          <a:stretch>
+            <a:fillRect/>
+          </a:stretch>
+        </p:blipFill>
+        <p:spPr bwMode="auto">
+          <a:xfrm>
+            <a:off x="5218641" y="859435"/>
+            <a:ext cx="5141316" cy="5141316"/>
+          </a:xfrm>
+          <a:prstGeom prst="rect">
+            <a:avLst/>
+          </a:prstGeom>
+          <a:noFill/>
+          <a:extLst>
+            <a:ext uri="{909E8E84-426E-40DD-AFC4-6F175D3DCCD1}">
+              <a14:hiddenFill xmlns:a14="http://schemas.microsoft.com/office/drawing/2010/main">
+                <a:solidFill>
+                  <a:srgbClr val="FFFFFF"/>
+                </a:solidFill>
+              </a14:hiddenFill>
+            </a:ext>
+          </a:extLst>
+        </p:spPr>
+      </p:pic>
+      <p:sp>
+        <p:nvSpPr>
+          <p:cNvPr id="5" name="Szövegdoboz 4">
+            <a:extLst>
+              <a:ext uri="{FF2B5EF4-FFF2-40B4-BE49-F238E27FC236}">
+                <a16:creationId xmlns:a16="http://schemas.microsoft.com/office/drawing/2014/main" id="{24F682AC-914C-21FB-00C2-10F332596704}"/>
+              </a:ext>
+            </a:extLst>
+          </p:cNvPr>
+          <p:cNvSpPr txBox="1"/>
+          <p:nvPr/>
+        </p:nvSpPr>
+        <p:spPr>
+          <a:xfrm>
+            <a:off x="5218641" y="5697185"/>
+            <a:ext cx="1589483" cy="230832"/>
+          </a:xfrm>
+          <a:prstGeom prst="rect">
+            <a:avLst/>
+          </a:prstGeom>
+          <a:noFill/>
+        </p:spPr>
+        <p:txBody>
+          <a:bodyPr wrap="square">
+            <a:spAutoFit/>
+          </a:bodyPr>
+          <a:lstStyle/>
+          <a:p>
+            <a:r>
+              <a:rPr lang="hu-HU" sz="900" dirty="0"/>
+              <a:t>https://tinyurl.com/37sje7tw</a:t>
+            </a:r>
           </a:p>
         </p:txBody>
       </p:sp>
@@ -4421,6 +6787,14 @@
 <file path=ppt/slides/slide6.xml><?xml version="1.0" encoding="utf-8"?>
 <p:sld xmlns:a="http://schemas.openxmlformats.org/drawingml/2006/main" xmlns:r="http://schemas.openxmlformats.org/officeDocument/2006/relationships" xmlns:p="http://schemas.openxmlformats.org/presentationml/2006/main">
   <p:cSld>
+    <p:bg>
+      <p:bgPr>
+        <a:solidFill>
+          <a:schemeClr val="bg1"/>
+        </a:solidFill>
+        <a:effectLst/>
+      </p:bgPr>
+    </p:bg>
     <p:spTree>
       <p:nvGrpSpPr>
         <p:cNvPr id="1" name=""/>
@@ -4435,6 +6809,249 @@
           <a:chExt cx="0" cy="0"/>
         </a:xfrm>
       </p:grpSpPr>
+      <p:sp useBgFill="1">
+        <p:nvSpPr>
+          <p:cNvPr id="5127" name="Rectangle 5126">
+            <a:extLst>
+              <a:ext uri="{FF2B5EF4-FFF2-40B4-BE49-F238E27FC236}">
+                <a16:creationId xmlns:a16="http://schemas.microsoft.com/office/drawing/2014/main" id="{FAAAB002-E48E-4009-828A-511F7A828053}"/>
+              </a:ext>
+              <a:ext uri="{C183D7F6-B498-43B3-948B-1728B52AA6E4}">
+                <adec:decorative xmlns:adec="http://schemas.microsoft.com/office/drawing/2017/decorative" val="1"/>
+              </a:ext>
+            </a:extLst>
+          </p:cNvPr>
+          <p:cNvSpPr>
+            <a:spLocks noGrp="1" noRot="1" noChangeAspect="1" noMove="1" noResize="1" noEditPoints="1" noAdjustHandles="1" noChangeArrowheads="1" noChangeShapeType="1" noTextEdit="1"/>
+          </p:cNvSpPr>
+          <p:nvPr>
+            <p:extLst>
+              <p:ext uri="{386F3935-93C4-4BCD-93E2-E3B085C9AB24}">
+                <p16:designElem xmlns:p16="http://schemas.microsoft.com/office/powerpoint/2015/main" val="1"/>
+              </p:ext>
+            </p:extLst>
+          </p:nvPr>
+        </p:nvSpPr>
+        <p:spPr>
+          <a:xfrm>
+            <a:off x="0" y="0"/>
+            <a:ext cx="12192000" cy="6858000"/>
+          </a:xfrm>
+          <a:prstGeom prst="rect">
+            <a:avLst/>
+          </a:prstGeom>
+          <a:ln>
+            <a:noFill/>
+          </a:ln>
+        </p:spPr>
+        <p:style>
+          <a:lnRef idx="2">
+            <a:schemeClr val="accent1">
+              <a:shade val="50000"/>
+            </a:schemeClr>
+          </a:lnRef>
+          <a:fillRef idx="1">
+            <a:schemeClr val="accent1"/>
+          </a:fillRef>
+          <a:effectRef idx="0">
+            <a:schemeClr val="accent1"/>
+          </a:effectRef>
+          <a:fontRef idx="minor">
+            <a:schemeClr val="lt1"/>
+          </a:fontRef>
+        </p:style>
+        <p:txBody>
+          <a:bodyPr rtlCol="0" anchor="ctr"/>
+          <a:lstStyle/>
+          <a:p>
+            <a:pPr algn="ctr"/>
+            <a:endParaRPr lang="en-US"/>
+          </a:p>
+        </p:txBody>
+      </p:sp>
+      <p:pic>
+        <p:nvPicPr>
+          <p:cNvPr id="5122" name="Picture 2" descr="Thanks for the memory: How cheap RAM changes computing | Ars Technica">
+            <a:extLst>
+              <a:ext uri="{FF2B5EF4-FFF2-40B4-BE49-F238E27FC236}">
+                <a16:creationId xmlns:a16="http://schemas.microsoft.com/office/drawing/2014/main" id="{FA20C016-9DFE-27C9-69C0-5A7BD0D13F7C}"/>
+              </a:ext>
+            </a:extLst>
+          </p:cNvPr>
+          <p:cNvPicPr>
+            <a:picLocks noChangeAspect="1" noChangeArrowheads="1"/>
+          </p:cNvPicPr>
+          <p:nvPr/>
+        </p:nvPicPr>
+        <p:blipFill rotWithShape="1">
+          <a:blip r:embed="rId2">
+            <a:extLst>
+              <a:ext uri="{28A0092B-C50C-407E-A947-70E740481C1C}">
+                <a14:useLocalDpi xmlns:a14="http://schemas.microsoft.com/office/drawing/2010/main" val="0"/>
+              </a:ext>
+            </a:extLst>
+          </a:blip>
+          <a:srcRect t="10050" r="9091" b="629"/>
+          <a:stretch/>
+        </p:blipFill>
+        <p:spPr bwMode="auto">
+          <a:xfrm>
+            <a:off x="20" y="10"/>
+            <a:ext cx="12191980" cy="6857990"/>
+          </a:xfrm>
+          <a:prstGeom prst="rect">
+            <a:avLst/>
+          </a:prstGeom>
+          <a:noFill/>
+          <a:extLst>
+            <a:ext uri="{909E8E84-426E-40DD-AFC4-6F175D3DCCD1}">
+              <a14:hiddenFill xmlns:a14="http://schemas.microsoft.com/office/drawing/2010/main">
+                <a:solidFill>
+                  <a:srgbClr val="FFFFFF"/>
+                </a:solidFill>
+              </a14:hiddenFill>
+            </a:ext>
+          </a:extLst>
+        </p:spPr>
+      </p:pic>
+      <p:grpSp>
+        <p:nvGrpSpPr>
+          <p:cNvPr id="5129" name="Group 5128">
+            <a:extLst>
+              <a:ext uri="{FF2B5EF4-FFF2-40B4-BE49-F238E27FC236}">
+                <a16:creationId xmlns:a16="http://schemas.microsoft.com/office/drawing/2014/main" id="{D74D7E9A-D874-4F02-8A2D-F9CD22059131}"/>
+              </a:ext>
+              <a:ext uri="{C183D7F6-B498-43B3-948B-1728B52AA6E4}">
+                <adec:decorative xmlns:adec="http://schemas.microsoft.com/office/drawing/2017/decorative" val="1"/>
+              </a:ext>
+            </a:extLst>
+          </p:cNvPr>
+          <p:cNvGrpSpPr>
+            <a:grpSpLocks noGrp="1" noUngrp="1" noRot="1" noChangeAspect="1" noMove="1" noResize="1"/>
+          </p:cNvGrpSpPr>
+          <p:nvPr>
+            <p:extLst>
+              <p:ext uri="{386F3935-93C4-4BCD-93E2-E3B085C9AB24}">
+                <p16:designElem xmlns:p16="http://schemas.microsoft.com/office/powerpoint/2015/main" val="1"/>
+              </p:ext>
+            </p:extLst>
+          </p:nvPr>
+        </p:nvGrpSpPr>
+        <p:grpSpPr>
+          <a:xfrm>
+            <a:off x="438067" y="423123"/>
+            <a:ext cx="4216219" cy="5935132"/>
+            <a:chOff x="438068" y="457200"/>
+            <a:chExt cx="3703320" cy="5935132"/>
+          </a:xfrm>
+        </p:grpSpPr>
+        <p:sp>
+          <p:nvSpPr>
+            <p:cNvPr id="5130" name="Rectangle 5129">
+              <a:extLst>
+                <a:ext uri="{FF2B5EF4-FFF2-40B4-BE49-F238E27FC236}">
+                  <a16:creationId xmlns:a16="http://schemas.microsoft.com/office/drawing/2014/main" id="{FDF32581-CAA1-43C6-8532-DC56C8435C25}"/>
+                </a:ext>
+                <a:ext uri="{C183D7F6-B498-43B3-948B-1728B52AA6E4}">
+                  <adec:decorative xmlns:adec="http://schemas.microsoft.com/office/drawing/2017/decorative" val="1"/>
+                </a:ext>
+              </a:extLst>
+            </p:cNvPr>
+            <p:cNvSpPr/>
+            <p:nvPr>
+              <p:extLst>
+                <p:ext uri="{386F3935-93C4-4BCD-93E2-E3B085C9AB24}">
+                  <p16:designElem xmlns:p16="http://schemas.microsoft.com/office/powerpoint/2015/main" val="1"/>
+                </p:ext>
+              </p:extLst>
+            </p:nvPr>
+          </p:nvSpPr>
+          <p:spPr>
+            <a:xfrm>
+              <a:off x="438068" y="618067"/>
+              <a:ext cx="3702134" cy="5774265"/>
+            </a:xfrm>
+            <a:prstGeom prst="rect">
+              <a:avLst/>
+            </a:prstGeom>
+            <a:solidFill>
+              <a:schemeClr val="accent1">
+                <a:alpha val="97000"/>
+              </a:schemeClr>
+            </a:solidFill>
+            <a:ln w="6350" cmpd="sng">
+              <a:noFill/>
+            </a:ln>
+            <a:effectLst/>
+          </p:spPr>
+          <p:style>
+            <a:lnRef idx="1">
+              <a:schemeClr val="accent1"/>
+            </a:lnRef>
+            <a:fillRef idx="3">
+              <a:schemeClr val="accent1"/>
+            </a:fillRef>
+            <a:effectRef idx="2">
+              <a:schemeClr val="accent1"/>
+            </a:effectRef>
+            <a:fontRef idx="minor">
+              <a:schemeClr val="lt1"/>
+            </a:fontRef>
+          </p:style>
+        </p:sp>
+        <p:sp>
+          <p:nvSpPr>
+            <p:cNvPr id="5131" name="Rectangle 5130">
+              <a:extLst>
+                <a:ext uri="{FF2B5EF4-FFF2-40B4-BE49-F238E27FC236}">
+                  <a16:creationId xmlns:a16="http://schemas.microsoft.com/office/drawing/2014/main" id="{97EF55D5-23F0-4398-B16B-AEF5778C3048}"/>
+                </a:ext>
+                <a:ext uri="{C183D7F6-B498-43B3-948B-1728B52AA6E4}">
+                  <adec:decorative xmlns:adec="http://schemas.microsoft.com/office/drawing/2017/decorative" val="1"/>
+                </a:ext>
+              </a:extLst>
+            </p:cNvPr>
+            <p:cNvSpPr/>
+            <p:nvPr>
+              <p:extLst>
+                <p:ext uri="{386F3935-93C4-4BCD-93E2-E3B085C9AB24}">
+                  <p16:designElem xmlns:p16="http://schemas.microsoft.com/office/powerpoint/2015/main" val="1"/>
+                </p:ext>
+              </p:extLst>
+            </p:nvPr>
+          </p:nvSpPr>
+          <p:spPr>
+            <a:xfrm>
+              <a:off x="438068" y="457200"/>
+              <a:ext cx="3703320" cy="94997"/>
+            </a:xfrm>
+            <a:prstGeom prst="rect">
+              <a:avLst/>
+            </a:prstGeom>
+            <a:solidFill>
+              <a:schemeClr val="accent1"/>
+            </a:solidFill>
+            <a:ln>
+              <a:noFill/>
+            </a:ln>
+            <a:effectLst/>
+          </p:spPr>
+          <p:style>
+            <a:lnRef idx="1">
+              <a:schemeClr val="accent1"/>
+            </a:lnRef>
+            <a:fillRef idx="3">
+              <a:schemeClr val="accent1"/>
+            </a:fillRef>
+            <a:effectRef idx="2">
+              <a:schemeClr val="accent1"/>
+            </a:effectRef>
+            <a:fontRef idx="minor">
+              <a:schemeClr val="lt1"/>
+            </a:fontRef>
+          </p:style>
+        </p:sp>
+      </p:grpSp>
       <p:sp>
         <p:nvSpPr>
           <p:cNvPr id="2" name="Cím 1"/>
@@ -4445,16 +7062,26 @@
             <p:ph type="title"/>
           </p:nvPr>
         </p:nvSpPr>
-        <p:spPr/>
-        <p:txBody>
-          <a:bodyPr/>
+        <p:spPr>
+          <a:xfrm>
+            <a:off x="681540" y="1006956"/>
+            <a:ext cx="3730810" cy="1372177"/>
+          </a:xfrm>
+        </p:spPr>
+        <p:txBody>
+          <a:bodyPr anchor="ctr">
+            <a:normAutofit/>
+          </a:bodyPr>
           <a:lstStyle/>
           <a:p>
             <a:r>
-              <a:rPr lang="hu-HU" dirty="0" smtClean="0"/>
+              <a:rPr lang="hu-HU" sz="2600">
+                <a:solidFill>
+                  <a:srgbClr val="FFFFFF"/>
+                </a:solidFill>
+              </a:rPr>
               <a:t>RAM</a:t>
             </a:r>
-            <a:endParaRPr lang="hu-HU" dirty="0"/>
           </a:p>
         </p:txBody>
       </p:sp>
@@ -4468,12 +7095,97 @@
             <p:ph idx="1"/>
           </p:nvPr>
         </p:nvSpPr>
-        <p:spPr/>
-        <p:txBody>
-          <a:bodyPr/>
+        <p:spPr>
+          <a:xfrm>
+            <a:off x="680096" y="1905826"/>
+            <a:ext cx="3730810" cy="3564467"/>
+          </a:xfrm>
+        </p:spPr>
+        <p:txBody>
+          <a:bodyPr>
+            <a:normAutofit/>
+          </a:bodyPr>
           <a:lstStyle/>
           <a:p>
-            <a:endParaRPr lang="hu-HU"/>
+            <a:pPr>
+              <a:buClr>
+                <a:srgbClr val="BFBE5D"/>
+              </a:buClr>
+            </a:pPr>
+            <a:r>
+              <a:rPr lang="hu-HU" dirty="0">
+                <a:solidFill>
+                  <a:srgbClr val="FFFFFF"/>
+                </a:solidFill>
+              </a:rPr>
+              <a:t>Alaplap  maximális befogadása</a:t>
+            </a:r>
+          </a:p>
+          <a:p>
+            <a:pPr>
+              <a:buClr>
+                <a:srgbClr val="BFBE5D"/>
+              </a:buClr>
+            </a:pPr>
+            <a:r>
+              <a:rPr lang="hu-HU" dirty="0">
+                <a:solidFill>
+                  <a:srgbClr val="FFFFFF"/>
+                </a:solidFill>
+              </a:rPr>
+              <a:t>Szétosztás </a:t>
+            </a:r>
+          </a:p>
+          <a:p>
+            <a:pPr>
+              <a:buClr>
+                <a:srgbClr val="BFBE5D"/>
+              </a:buClr>
+            </a:pPr>
+            <a:r>
+              <a:rPr lang="hu-HU" dirty="0">
+                <a:solidFill>
+                  <a:srgbClr val="FFFFFF"/>
+                </a:solidFill>
+              </a:rPr>
+              <a:t>Frekvencia mérete </a:t>
+            </a:r>
+          </a:p>
+          <a:p>
+            <a:pPr>
+              <a:buClr>
+                <a:srgbClr val="BFBE5D"/>
+              </a:buClr>
+            </a:pPr>
+            <a:endParaRPr lang="hu-HU" dirty="0">
+              <a:solidFill>
+                <a:srgbClr val="FFFFFF"/>
+              </a:solidFill>
+            </a:endParaRPr>
+          </a:p>
+          <a:p>
+            <a:pPr>
+              <a:buClr>
+                <a:srgbClr val="BFBE5D"/>
+              </a:buClr>
+            </a:pPr>
+            <a:endParaRPr lang="hu-HU" dirty="0">
+              <a:solidFill>
+                <a:srgbClr val="FFFFFF"/>
+              </a:solidFill>
+            </a:endParaRPr>
+          </a:p>
+          <a:p>
+            <a:pPr>
+              <a:buClr>
+                <a:srgbClr val="BFBE5D"/>
+              </a:buClr>
+            </a:pPr>
+            <a:endParaRPr lang="hu-HU" dirty="0">
+              <a:solidFill>
+                <a:srgbClr val="FFFFFF"/>
+              </a:solidFill>
+            </a:endParaRPr>
           </a:p>
         </p:txBody>
       </p:sp>
@@ -4493,6 +7205,14 @@
 <file path=ppt/slides/slide7.xml><?xml version="1.0" encoding="utf-8"?>
 <p:sld xmlns:a="http://schemas.openxmlformats.org/drawingml/2006/main" xmlns:r="http://schemas.openxmlformats.org/officeDocument/2006/relationships" xmlns:p="http://schemas.openxmlformats.org/presentationml/2006/main">
   <p:cSld>
+    <p:bg>
+      <p:bgPr>
+        <a:solidFill>
+          <a:schemeClr val="bg1"/>
+        </a:solidFill>
+        <a:effectLst/>
+      </p:bgPr>
+    </p:bg>
     <p:spTree>
       <p:nvGrpSpPr>
         <p:cNvPr id="1" name=""/>
@@ -4507,6 +7227,120 @@
           <a:chExt cx="0" cy="0"/>
         </a:xfrm>
       </p:grpSpPr>
+      <p:sp useBgFill="1">
+        <p:nvSpPr>
+          <p:cNvPr id="6153" name="Rectangle 6152">
+            <a:extLst>
+              <a:ext uri="{FF2B5EF4-FFF2-40B4-BE49-F238E27FC236}">
+                <a16:creationId xmlns:a16="http://schemas.microsoft.com/office/drawing/2014/main" id="{2A28AC4B-805D-4091-A648-61572081C7FB}"/>
+              </a:ext>
+              <a:ext uri="{C183D7F6-B498-43B3-948B-1728B52AA6E4}">
+                <adec:decorative xmlns:adec="http://schemas.microsoft.com/office/drawing/2017/decorative" val="1"/>
+              </a:ext>
+            </a:extLst>
+          </p:cNvPr>
+          <p:cNvSpPr>
+            <a:spLocks noGrp="1" noRot="1" noChangeAspect="1" noMove="1" noResize="1" noEditPoints="1" noAdjustHandles="1" noChangeArrowheads="1" noChangeShapeType="1" noTextEdit="1"/>
+          </p:cNvSpPr>
+          <p:nvPr>
+            <p:extLst>
+              <p:ext uri="{386F3935-93C4-4BCD-93E2-E3B085C9AB24}">
+                <p16:designElem xmlns:p16="http://schemas.microsoft.com/office/powerpoint/2015/main" val="1"/>
+              </p:ext>
+            </p:extLst>
+          </p:nvPr>
+        </p:nvSpPr>
+        <p:spPr>
+          <a:xfrm>
+            <a:off x="0" y="614406"/>
+            <a:ext cx="12192000" cy="6243593"/>
+          </a:xfrm>
+          <a:prstGeom prst="rect">
+            <a:avLst/>
+          </a:prstGeom>
+          <a:ln>
+            <a:noFill/>
+          </a:ln>
+        </p:spPr>
+        <p:style>
+          <a:lnRef idx="2">
+            <a:schemeClr val="accent1">
+              <a:shade val="50000"/>
+            </a:schemeClr>
+          </a:lnRef>
+          <a:fillRef idx="1">
+            <a:schemeClr val="accent1"/>
+          </a:fillRef>
+          <a:effectRef idx="0">
+            <a:schemeClr val="accent1"/>
+          </a:effectRef>
+          <a:fontRef idx="minor">
+            <a:schemeClr val="lt1"/>
+          </a:fontRef>
+        </p:style>
+        <p:txBody>
+          <a:bodyPr rtlCol="0" anchor="ctr"/>
+          <a:lstStyle/>
+          <a:p>
+            <a:pPr algn="ctr"/>
+            <a:endParaRPr lang="en-US"/>
+          </a:p>
+        </p:txBody>
+      </p:sp>
+      <p:sp>
+        <p:nvSpPr>
+          <p:cNvPr id="6155" name="Rectangle 6154">
+            <a:extLst>
+              <a:ext uri="{FF2B5EF4-FFF2-40B4-BE49-F238E27FC236}">
+                <a16:creationId xmlns:a16="http://schemas.microsoft.com/office/drawing/2014/main" id="{39373A6F-2E1F-4613-8E1D-D68057D29F31}"/>
+              </a:ext>
+              <a:ext uri="{C183D7F6-B498-43B3-948B-1728B52AA6E4}">
+                <adec:decorative xmlns:adec="http://schemas.microsoft.com/office/drawing/2017/decorative" val="1"/>
+              </a:ext>
+            </a:extLst>
+          </p:cNvPr>
+          <p:cNvSpPr>
+            <a:spLocks noGrp="1" noRot="1" noChangeAspect="1" noMove="1" noResize="1" noEditPoints="1" noAdjustHandles="1" noChangeArrowheads="1" noChangeShapeType="1" noTextEdit="1"/>
+          </p:cNvSpPr>
+          <p:nvPr>
+            <p:extLst>
+              <p:ext uri="{386F3935-93C4-4BCD-93E2-E3B085C9AB24}">
+                <p16:designElem xmlns:p16="http://schemas.microsoft.com/office/powerpoint/2015/main" val="1"/>
+              </p:ext>
+            </p:extLst>
+          </p:nvPr>
+        </p:nvSpPr>
+        <p:spPr>
+          <a:xfrm>
+            <a:off x="442377" y="614407"/>
+            <a:ext cx="3707477" cy="5611772"/>
+          </a:xfrm>
+          <a:prstGeom prst="rect">
+            <a:avLst/>
+          </a:prstGeom>
+          <a:solidFill>
+            <a:schemeClr val="accent1"/>
+          </a:solidFill>
+          <a:ln>
+            <a:noFill/>
+          </a:ln>
+          <a:effectLst/>
+        </p:spPr>
+        <p:style>
+          <a:lnRef idx="1">
+            <a:schemeClr val="accent1"/>
+          </a:lnRef>
+          <a:fillRef idx="3">
+            <a:schemeClr val="accent1"/>
+          </a:fillRef>
+          <a:effectRef idx="2">
+            <a:schemeClr val="accent1"/>
+          </a:effectRef>
+          <a:fontRef idx="minor">
+            <a:schemeClr val="lt1"/>
+          </a:fontRef>
+        </p:style>
+      </p:sp>
       <p:sp>
         <p:nvSpPr>
           <p:cNvPr id="2" name="Cím 1"/>
@@ -4517,18 +7351,78 @@
             <p:ph type="title"/>
           </p:nvPr>
         </p:nvSpPr>
-        <p:spPr/>
-        <p:txBody>
-          <a:bodyPr/>
+        <p:spPr>
+          <a:xfrm>
+            <a:off x="601255" y="702156"/>
+            <a:ext cx="3409783" cy="1013800"/>
+          </a:xfrm>
+        </p:spPr>
+        <p:txBody>
+          <a:bodyPr>
+            <a:normAutofit/>
+          </a:bodyPr>
           <a:lstStyle/>
           <a:p>
             <a:r>
-              <a:rPr lang="hu-HU" dirty="0" smtClean="0"/>
+              <a:rPr lang="hu-HU" dirty="0"/>
               <a:t>háttértár</a:t>
             </a:r>
-            <a:endParaRPr lang="hu-HU" dirty="0"/>
-          </a:p>
-        </p:txBody>
+          </a:p>
+        </p:txBody>
+      </p:sp>
+      <p:sp>
+        <p:nvSpPr>
+          <p:cNvPr id="6157" name="Rectangle 6156">
+            <a:extLst>
+              <a:ext uri="{FF2B5EF4-FFF2-40B4-BE49-F238E27FC236}">
+                <a16:creationId xmlns:a16="http://schemas.microsoft.com/office/drawing/2014/main" id="{A6D733BE-061E-4600-B6A3-62A68EF2C687}"/>
+              </a:ext>
+              <a:ext uri="{C183D7F6-B498-43B3-948B-1728B52AA6E4}">
+                <adec:decorative xmlns:adec="http://schemas.microsoft.com/office/drawing/2017/decorative" val="1"/>
+              </a:ext>
+            </a:extLst>
+          </p:cNvPr>
+          <p:cNvSpPr>
+            <a:spLocks noGrp="1" noRot="1" noChangeAspect="1" noMove="1" noResize="1" noEditPoints="1" noAdjustHandles="1" noChangeArrowheads="1" noChangeShapeType="1" noTextEdit="1"/>
+          </p:cNvSpPr>
+          <p:nvPr>
+            <p:extLst>
+              <p:ext uri="{386F3935-93C4-4BCD-93E2-E3B085C9AB24}">
+                <p16:designElem xmlns:p16="http://schemas.microsoft.com/office/powerpoint/2015/main" val="1"/>
+              </p:ext>
+            </p:extLst>
+          </p:nvPr>
+        </p:nvSpPr>
+        <p:spPr>
+          <a:xfrm>
+            <a:off x="4241830" y="457200"/>
+            <a:ext cx="3703320" cy="91440"/>
+          </a:xfrm>
+          <a:prstGeom prst="rect">
+            <a:avLst/>
+          </a:prstGeom>
+          <a:solidFill>
+            <a:srgbClr val="E3D945"/>
+          </a:solidFill>
+          <a:ln>
+            <a:noFill/>
+          </a:ln>
+          <a:effectLst/>
+        </p:spPr>
+        <p:style>
+          <a:lnRef idx="1">
+            <a:schemeClr val="accent1"/>
+          </a:lnRef>
+          <a:fillRef idx="3">
+            <a:schemeClr val="accent1"/>
+          </a:fillRef>
+          <a:effectRef idx="2">
+            <a:schemeClr val="accent1"/>
+          </a:effectRef>
+          <a:fontRef idx="minor">
+            <a:schemeClr val="lt1"/>
+          </a:fontRef>
+        </p:style>
       </p:sp>
       <p:sp>
         <p:nvSpPr>
@@ -4540,12 +7434,292 @@
             <p:ph idx="1"/>
           </p:nvPr>
         </p:nvSpPr>
-        <p:spPr/>
-        <p:txBody>
-          <a:bodyPr/>
+        <p:spPr>
+          <a:xfrm>
+            <a:off x="601255" y="1964168"/>
+            <a:ext cx="3409782" cy="4036582"/>
+          </a:xfrm>
+        </p:spPr>
+        <p:txBody>
+          <a:bodyPr>
+            <a:normAutofit/>
+          </a:bodyPr>
           <a:lstStyle/>
           <a:p>
-            <a:endParaRPr lang="hu-HU"/>
+            <a:r>
+              <a:rPr lang="hu-HU">
+                <a:solidFill>
+                  <a:schemeClr val="bg1"/>
+                </a:solidFill>
+              </a:rPr>
+              <a:t>HDD</a:t>
+            </a:r>
+          </a:p>
+          <a:p>
+            <a:r>
+              <a:rPr lang="hu-HU">
+                <a:solidFill>
+                  <a:schemeClr val="bg1"/>
+                </a:solidFill>
+              </a:rPr>
+              <a:t>SSD</a:t>
+            </a:r>
+          </a:p>
+          <a:p>
+            <a:r>
+              <a:rPr lang="hu-HU">
+                <a:solidFill>
+                  <a:schemeClr val="bg1"/>
+                </a:solidFill>
+              </a:rPr>
+              <a:t>M.2 SSD</a:t>
+            </a:r>
+          </a:p>
+        </p:txBody>
+      </p:sp>
+      <p:pic>
+        <p:nvPicPr>
+          <p:cNvPr id="6156" name="Picture 12" descr="SSD hard diskovi | ePonuda.com">
+            <a:extLst>
+              <a:ext uri="{FF2B5EF4-FFF2-40B4-BE49-F238E27FC236}">
+                <a16:creationId xmlns:a16="http://schemas.microsoft.com/office/drawing/2014/main" id="{F5AF5E71-F7AE-7B20-AD73-3C61498C39EB}"/>
+              </a:ext>
+            </a:extLst>
+          </p:cNvPr>
+          <p:cNvPicPr>
+            <a:picLocks noChangeAspect="1" noChangeArrowheads="1"/>
+          </p:cNvPicPr>
+          <p:nvPr/>
+        </p:nvPicPr>
+        <p:blipFill>
+          <a:blip r:embed="rId2">
+            <a:extLst>
+              <a:ext uri="{28A0092B-C50C-407E-A947-70E740481C1C}">
+                <a14:useLocalDpi xmlns:a14="http://schemas.microsoft.com/office/drawing/2010/main" val="0"/>
+              </a:ext>
+            </a:extLst>
+          </a:blip>
+          <a:srcRect/>
+          <a:stretch>
+            <a:fillRect/>
+          </a:stretch>
+        </p:blipFill>
+        <p:spPr bwMode="auto">
+          <a:xfrm>
+            <a:off x="8124393" y="614405"/>
+            <a:ext cx="3707477" cy="3550209"/>
+          </a:xfrm>
+          <a:prstGeom prst="rect">
+            <a:avLst/>
+          </a:prstGeom>
+          <a:noFill/>
+          <a:extLst>
+            <a:ext uri="{909E8E84-426E-40DD-AFC4-6F175D3DCCD1}">
+              <a14:hiddenFill xmlns:a14="http://schemas.microsoft.com/office/drawing/2010/main">
+                <a:solidFill>
+                  <a:srgbClr val="FFFFFF"/>
+                </a:solidFill>
+              </a14:hiddenFill>
+            </a:ext>
+          </a:extLst>
+        </p:spPr>
+      </p:pic>
+      <p:pic>
+        <p:nvPicPr>
+          <p:cNvPr id="6150" name="Picture 6" descr="Hard Disk Drive 500GB - Slightly Used">
+            <a:extLst>
+              <a:ext uri="{FF2B5EF4-FFF2-40B4-BE49-F238E27FC236}">
+                <a16:creationId xmlns:a16="http://schemas.microsoft.com/office/drawing/2014/main" id="{CF804FD1-1CE7-3448-EDF9-53283FAFD3BD}"/>
+              </a:ext>
+            </a:extLst>
+          </p:cNvPr>
+          <p:cNvPicPr>
+            <a:picLocks noChangeAspect="1" noChangeArrowheads="1"/>
+          </p:cNvPicPr>
+          <p:nvPr/>
+        </p:nvPicPr>
+        <p:blipFill>
+          <a:blip r:embed="rId3">
+            <a:extLst>
+              <a:ext uri="{28A0092B-C50C-407E-A947-70E740481C1C}">
+                <a14:useLocalDpi xmlns:a14="http://schemas.microsoft.com/office/drawing/2010/main" val="0"/>
+              </a:ext>
+            </a:extLst>
+          </a:blip>
+          <a:srcRect/>
+          <a:stretch>
+            <a:fillRect/>
+          </a:stretch>
+        </p:blipFill>
+        <p:spPr bwMode="auto">
+          <a:xfrm>
+            <a:off x="4418493" y="2310875"/>
+            <a:ext cx="3656480" cy="3489553"/>
+          </a:xfrm>
+          <a:prstGeom prst="rect">
+            <a:avLst/>
+          </a:prstGeom>
+          <a:noFill/>
+          <a:extLst>
+            <a:ext uri="{909E8E84-426E-40DD-AFC4-6F175D3DCCD1}">
+              <a14:hiddenFill xmlns:a14="http://schemas.microsoft.com/office/drawing/2010/main">
+                <a:solidFill>
+                  <a:srgbClr val="FFFFFF"/>
+                </a:solidFill>
+              </a14:hiddenFill>
+            </a:ext>
+          </a:extLst>
+        </p:spPr>
+      </p:pic>
+      <p:pic>
+        <p:nvPicPr>
+          <p:cNvPr id="6152" name="Picture 8" descr="SSD — Википедија">
+            <a:extLst>
+              <a:ext uri="{FF2B5EF4-FFF2-40B4-BE49-F238E27FC236}">
+                <a16:creationId xmlns:a16="http://schemas.microsoft.com/office/drawing/2014/main" id="{511D134A-A932-11C7-E646-2DAE21513DFE}"/>
+              </a:ext>
+            </a:extLst>
+          </p:cNvPr>
+          <p:cNvPicPr>
+            <a:picLocks noChangeAspect="1" noChangeArrowheads="1"/>
+          </p:cNvPicPr>
+          <p:nvPr/>
+        </p:nvPicPr>
+        <p:blipFill>
+          <a:blip r:embed="rId4">
+            <a:extLst>
+              <a:ext uri="{28A0092B-C50C-407E-A947-70E740481C1C}">
+                <a14:useLocalDpi xmlns:a14="http://schemas.microsoft.com/office/drawing/2010/main" val="0"/>
+              </a:ext>
+            </a:extLst>
+          </a:blip>
+          <a:srcRect/>
+          <a:stretch>
+            <a:fillRect/>
+          </a:stretch>
+        </p:blipFill>
+        <p:spPr bwMode="auto">
+          <a:xfrm>
+            <a:off x="7945150" y="3907056"/>
+            <a:ext cx="3332194" cy="2186705"/>
+          </a:xfrm>
+          <a:prstGeom prst="rect">
+            <a:avLst/>
+          </a:prstGeom>
+          <a:noFill/>
+          <a:extLst>
+            <a:ext uri="{909E8E84-426E-40DD-AFC4-6F175D3DCCD1}">
+              <a14:hiddenFill xmlns:a14="http://schemas.microsoft.com/office/drawing/2010/main">
+                <a:solidFill>
+                  <a:srgbClr val="FFFFFF"/>
+                </a:solidFill>
+              </a14:hiddenFill>
+            </a:ext>
+          </a:extLst>
+        </p:spPr>
+      </p:pic>
+      <p:sp>
+        <p:nvSpPr>
+          <p:cNvPr id="5" name="Szövegdoboz 4">
+            <a:extLst>
+              <a:ext uri="{FF2B5EF4-FFF2-40B4-BE49-F238E27FC236}">
+                <a16:creationId xmlns:a16="http://schemas.microsoft.com/office/drawing/2014/main" id="{A84D5490-CE4C-8E62-AFF7-97B9424CFE30}"/>
+              </a:ext>
+            </a:extLst>
+          </p:cNvPr>
+          <p:cNvSpPr txBox="1"/>
+          <p:nvPr/>
+        </p:nvSpPr>
+        <p:spPr>
+          <a:xfrm>
+            <a:off x="8124393" y="2911986"/>
+            <a:ext cx="1897380" cy="230832"/>
+          </a:xfrm>
+          <a:prstGeom prst="rect">
+            <a:avLst/>
+          </a:prstGeom>
+          <a:noFill/>
+        </p:spPr>
+        <p:txBody>
+          <a:bodyPr wrap="square">
+            <a:spAutoFit/>
+          </a:bodyPr>
+          <a:lstStyle/>
+          <a:p>
+            <a:r>
+              <a:rPr lang="hu-HU" sz="900" dirty="0"/>
+              <a:t>https://tinyurl.com/3se86s4y</a:t>
+            </a:r>
+          </a:p>
+        </p:txBody>
+      </p:sp>
+      <p:sp>
+        <p:nvSpPr>
+          <p:cNvPr id="7" name="Szövegdoboz 6">
+            <a:extLst>
+              <a:ext uri="{FF2B5EF4-FFF2-40B4-BE49-F238E27FC236}">
+                <a16:creationId xmlns:a16="http://schemas.microsoft.com/office/drawing/2014/main" id="{CD4463A7-A76F-8A12-6285-65471158CA7A}"/>
+              </a:ext>
+            </a:extLst>
+          </p:cNvPr>
+          <p:cNvSpPr txBox="1"/>
+          <p:nvPr/>
+        </p:nvSpPr>
+        <p:spPr>
+          <a:xfrm>
+            <a:off x="8042148" y="6093557"/>
+            <a:ext cx="1762252" cy="230832"/>
+          </a:xfrm>
+          <a:prstGeom prst="rect">
+            <a:avLst/>
+          </a:prstGeom>
+          <a:noFill/>
+        </p:spPr>
+        <p:txBody>
+          <a:bodyPr wrap="square">
+            <a:spAutoFit/>
+          </a:bodyPr>
+          <a:lstStyle/>
+          <a:p>
+            <a:r>
+              <a:rPr lang="hu-HU" sz="900" dirty="0"/>
+              <a:t>https://tinyurl.com/2fvnk6ak</a:t>
+            </a:r>
+          </a:p>
+        </p:txBody>
+      </p:sp>
+      <p:sp>
+        <p:nvSpPr>
+          <p:cNvPr id="9" name="Szövegdoboz 8">
+            <a:extLst>
+              <a:ext uri="{FF2B5EF4-FFF2-40B4-BE49-F238E27FC236}">
+                <a16:creationId xmlns:a16="http://schemas.microsoft.com/office/drawing/2014/main" id="{4DB686E9-6A5A-918D-E489-61265195C729}"/>
+              </a:ext>
+            </a:extLst>
+          </p:cNvPr>
+          <p:cNvSpPr txBox="1"/>
+          <p:nvPr/>
+        </p:nvSpPr>
+        <p:spPr>
+          <a:xfrm>
+            <a:off x="4418493" y="5539764"/>
+            <a:ext cx="2738765" cy="230832"/>
+          </a:xfrm>
+          <a:prstGeom prst="rect">
+            <a:avLst/>
+          </a:prstGeom>
+          <a:noFill/>
+        </p:spPr>
+        <p:txBody>
+          <a:bodyPr wrap="square">
+            <a:spAutoFit/>
+          </a:bodyPr>
+          <a:lstStyle/>
+          <a:p>
+            <a:r>
+              <a:rPr lang="hu-HU" sz="900" dirty="0"/>
+              <a:t>https://tinyurl.com/vp9jp2p2</a:t>
+            </a:r>
           </a:p>
         </p:txBody>
       </p:sp>
@@ -4595,10 +7769,9 @@
           <a:lstStyle/>
           <a:p>
             <a:r>
-              <a:rPr lang="hu-HU" dirty="0" smtClean="0"/>
+              <a:rPr lang="hu-HU" dirty="0"/>
               <a:t>tápegység</a:t>
             </a:r>
-            <a:endParaRPr lang="hu-HU" dirty="0"/>
           </a:p>
         </p:txBody>
       </p:sp>
@@ -4612,12 +7785,120 @@
             <p:ph idx="1"/>
           </p:nvPr>
         </p:nvSpPr>
-        <p:spPr/>
+        <p:spPr>
+          <a:xfrm>
+            <a:off x="581193" y="2180497"/>
+            <a:ext cx="3270960" cy="3656100"/>
+          </a:xfrm>
+        </p:spPr>
         <p:txBody>
           <a:bodyPr/>
           <a:lstStyle/>
           <a:p>
-            <a:endParaRPr lang="hu-HU"/>
+            <a:r>
+              <a:rPr lang="hu-HU" dirty="0"/>
+              <a:t>Fogyasztás összeszámolása több legyen </a:t>
+            </a:r>
+          </a:p>
+          <a:p>
+            <a:r>
+              <a:rPr lang="hu-HU" dirty="0"/>
+              <a:t>Minőség </a:t>
+            </a:r>
+          </a:p>
+          <a:p>
+            <a:r>
+              <a:rPr lang="hu-HU" dirty="0"/>
+              <a:t>Megfelelő csatlakozót </a:t>
+            </a:r>
+          </a:p>
+          <a:p>
+            <a:pPr marL="0" indent="0">
+              <a:buNone/>
+            </a:pPr>
+            <a:endParaRPr lang="hu-HU" dirty="0"/>
+          </a:p>
+        </p:txBody>
+      </p:sp>
+      <p:pic>
+        <p:nvPicPr>
+          <p:cNvPr id="7170" name="Picture 2" descr="EWENT ATX PC tápegység 500W (EW3907) - MediaMarkt online vásárlás">
+            <a:extLst>
+              <a:ext uri="{FF2B5EF4-FFF2-40B4-BE49-F238E27FC236}">
+                <a16:creationId xmlns:a16="http://schemas.microsoft.com/office/drawing/2014/main" id="{6CCDD168-7A5C-A9BA-F7EF-D2F7034362CB}"/>
+              </a:ext>
+            </a:extLst>
+          </p:cNvPr>
+          <p:cNvPicPr>
+            <a:picLocks noChangeAspect="1" noChangeArrowheads="1"/>
+          </p:cNvPicPr>
+          <p:nvPr/>
+        </p:nvPicPr>
+        <p:blipFill>
+          <a:blip r:embed="rId2">
+            <a:extLst>
+              <a:ext uri="{28A0092B-C50C-407E-A947-70E740481C1C}">
+                <a14:useLocalDpi xmlns:a14="http://schemas.microsoft.com/office/drawing/2010/main" val="0"/>
+              </a:ext>
+            </a:extLst>
+          </a:blip>
+          <a:srcRect/>
+          <a:stretch>
+            <a:fillRect/>
+          </a:stretch>
+        </p:blipFill>
+        <p:spPr bwMode="auto">
+          <a:xfrm>
+            <a:off x="4317663" y="1275437"/>
+            <a:ext cx="6917784" cy="5166335"/>
+          </a:xfrm>
+          <a:prstGeom prst="rect">
+            <a:avLst/>
+          </a:prstGeom>
+          <a:noFill/>
+          <a:extLst>
+            <a:ext uri="{909E8E84-426E-40DD-AFC4-6F175D3DCCD1}">
+              <a14:hiddenFill xmlns:a14="http://schemas.microsoft.com/office/drawing/2010/main">
+                <a:solidFill>
+                  <a:srgbClr val="FFFFFF"/>
+                </a:solidFill>
+              </a14:hiddenFill>
+            </a:ext>
+          </a:extLst>
+        </p:spPr>
+      </p:pic>
+      <p:sp>
+        <p:nvSpPr>
+          <p:cNvPr id="5" name="Szövegdoboz 4">
+            <a:extLst>
+              <a:ext uri="{FF2B5EF4-FFF2-40B4-BE49-F238E27FC236}">
+                <a16:creationId xmlns:a16="http://schemas.microsoft.com/office/drawing/2014/main" id="{7C3C7FCA-9E8E-2695-BCCE-66662BADD994}"/>
+              </a:ext>
+            </a:extLst>
+          </p:cNvPr>
+          <p:cNvSpPr txBox="1"/>
+          <p:nvPr/>
+        </p:nvSpPr>
+        <p:spPr>
+          <a:xfrm>
+            <a:off x="4317663" y="5836597"/>
+            <a:ext cx="1778337" cy="230832"/>
+          </a:xfrm>
+          <a:prstGeom prst="rect">
+            <a:avLst/>
+          </a:prstGeom>
+          <a:noFill/>
+        </p:spPr>
+        <p:txBody>
+          <a:bodyPr wrap="square">
+            <a:spAutoFit/>
+          </a:bodyPr>
+          <a:lstStyle/>
+          <a:p>
+            <a:r>
+              <a:rPr lang="hu-HU" sz="900" dirty="0"/>
+              <a:t>https://tinyurl.com/yp846u5f</a:t>
+            </a:r>
           </a:p>
         </p:txBody>
       </p:sp>
@@ -4637,6 +7918,14 @@
 <file path=ppt/slides/slide9.xml><?xml version="1.0" encoding="utf-8"?>
 <p:sld xmlns:a="http://schemas.openxmlformats.org/drawingml/2006/main" xmlns:r="http://schemas.openxmlformats.org/officeDocument/2006/relationships" xmlns:p="http://schemas.openxmlformats.org/presentationml/2006/main">
   <p:cSld>
+    <p:bg>
+      <p:bgPr>
+        <a:solidFill>
+          <a:schemeClr val="bg1"/>
+        </a:solidFill>
+        <a:effectLst/>
+      </p:bgPr>
+    </p:bg>
     <p:spTree>
       <p:nvGrpSpPr>
         <p:cNvPr id="1" name=""/>
@@ -4651,6 +7940,120 @@
           <a:chExt cx="0" cy="0"/>
         </a:xfrm>
       </p:grpSpPr>
+      <p:sp useBgFill="1">
+        <p:nvSpPr>
+          <p:cNvPr id="9238" name="Rectangle 9232">
+            <a:extLst>
+              <a:ext uri="{FF2B5EF4-FFF2-40B4-BE49-F238E27FC236}">
+                <a16:creationId xmlns:a16="http://schemas.microsoft.com/office/drawing/2014/main" id="{2A28AC4B-805D-4091-A648-61572081C7FB}"/>
+              </a:ext>
+              <a:ext uri="{C183D7F6-B498-43B3-948B-1728B52AA6E4}">
+                <adec:decorative xmlns:adec="http://schemas.microsoft.com/office/drawing/2017/decorative" val="1"/>
+              </a:ext>
+            </a:extLst>
+          </p:cNvPr>
+          <p:cNvSpPr>
+            <a:spLocks noGrp="1" noRot="1" noChangeAspect="1" noMove="1" noResize="1" noEditPoints="1" noAdjustHandles="1" noChangeArrowheads="1" noChangeShapeType="1" noTextEdit="1"/>
+          </p:cNvSpPr>
+          <p:nvPr>
+            <p:extLst>
+              <p:ext uri="{386F3935-93C4-4BCD-93E2-E3B085C9AB24}">
+                <p16:designElem xmlns:p16="http://schemas.microsoft.com/office/powerpoint/2015/main" val="1"/>
+              </p:ext>
+            </p:extLst>
+          </p:nvPr>
+        </p:nvSpPr>
+        <p:spPr>
+          <a:xfrm>
+            <a:off x="0" y="614406"/>
+            <a:ext cx="12192000" cy="6243593"/>
+          </a:xfrm>
+          <a:prstGeom prst="rect">
+            <a:avLst/>
+          </a:prstGeom>
+          <a:ln>
+            <a:noFill/>
+          </a:ln>
+        </p:spPr>
+        <p:style>
+          <a:lnRef idx="2">
+            <a:schemeClr val="accent1">
+              <a:shade val="50000"/>
+            </a:schemeClr>
+          </a:lnRef>
+          <a:fillRef idx="1">
+            <a:schemeClr val="accent1"/>
+          </a:fillRef>
+          <a:effectRef idx="0">
+            <a:schemeClr val="accent1"/>
+          </a:effectRef>
+          <a:fontRef idx="minor">
+            <a:schemeClr val="lt1"/>
+          </a:fontRef>
+        </p:style>
+        <p:txBody>
+          <a:bodyPr rtlCol="0" anchor="ctr"/>
+          <a:lstStyle/>
+          <a:p>
+            <a:pPr algn="ctr"/>
+            <a:endParaRPr lang="en-US"/>
+          </a:p>
+        </p:txBody>
+      </p:sp>
+      <p:sp>
+        <p:nvSpPr>
+          <p:cNvPr id="9239" name="Rectangle 9234">
+            <a:extLst>
+              <a:ext uri="{FF2B5EF4-FFF2-40B4-BE49-F238E27FC236}">
+                <a16:creationId xmlns:a16="http://schemas.microsoft.com/office/drawing/2014/main" id="{39373A6F-2E1F-4613-8E1D-D68057D29F31}"/>
+              </a:ext>
+              <a:ext uri="{C183D7F6-B498-43B3-948B-1728B52AA6E4}">
+                <adec:decorative xmlns:adec="http://schemas.microsoft.com/office/drawing/2017/decorative" val="1"/>
+              </a:ext>
+            </a:extLst>
+          </p:cNvPr>
+          <p:cNvSpPr>
+            <a:spLocks noGrp="1" noRot="1" noChangeAspect="1" noMove="1" noResize="1" noEditPoints="1" noAdjustHandles="1" noChangeArrowheads="1" noChangeShapeType="1" noTextEdit="1"/>
+          </p:cNvSpPr>
+          <p:nvPr>
+            <p:extLst>
+              <p:ext uri="{386F3935-93C4-4BCD-93E2-E3B085C9AB24}">
+                <p16:designElem xmlns:p16="http://schemas.microsoft.com/office/powerpoint/2015/main" val="1"/>
+              </p:ext>
+            </p:extLst>
+          </p:nvPr>
+        </p:nvSpPr>
+        <p:spPr>
+          <a:xfrm>
+            <a:off x="442377" y="614407"/>
+            <a:ext cx="3707477" cy="5611772"/>
+          </a:xfrm>
+          <a:prstGeom prst="rect">
+            <a:avLst/>
+          </a:prstGeom>
+          <a:solidFill>
+            <a:schemeClr val="accent1"/>
+          </a:solidFill>
+          <a:ln>
+            <a:noFill/>
+          </a:ln>
+          <a:effectLst/>
+        </p:spPr>
+        <p:style>
+          <a:lnRef idx="1">
+            <a:schemeClr val="accent1"/>
+          </a:lnRef>
+          <a:fillRef idx="3">
+            <a:schemeClr val="accent1"/>
+          </a:fillRef>
+          <a:effectRef idx="2">
+            <a:schemeClr val="accent1"/>
+          </a:effectRef>
+          <a:fontRef idx="minor">
+            <a:schemeClr val="lt1"/>
+          </a:fontRef>
+        </p:style>
+      </p:sp>
       <p:sp>
         <p:nvSpPr>
           <p:cNvPr id="2" name="Cím 1"/>
@@ -4661,18 +8064,78 @@
             <p:ph type="title"/>
           </p:nvPr>
         </p:nvSpPr>
-        <p:spPr/>
-        <p:txBody>
-          <a:bodyPr/>
+        <p:spPr>
+          <a:xfrm>
+            <a:off x="601255" y="702156"/>
+            <a:ext cx="3409783" cy="1013800"/>
+          </a:xfrm>
+        </p:spPr>
+        <p:txBody>
+          <a:bodyPr>
+            <a:normAutofit/>
+          </a:bodyPr>
           <a:lstStyle/>
           <a:p>
             <a:r>
-              <a:rPr lang="hu-HU" dirty="0" err="1" smtClean="0"/>
-              <a:t>Hépkáz</a:t>
-            </a:r>
-            <a:endParaRPr lang="hu-HU" dirty="0"/>
-          </a:p>
-        </p:txBody>
+              <a:rPr lang="hu-HU"/>
+              <a:t>hűttés</a:t>
+            </a:r>
+          </a:p>
+        </p:txBody>
+      </p:sp>
+      <p:sp>
+        <p:nvSpPr>
+          <p:cNvPr id="9237" name="Rectangle 9236">
+            <a:extLst>
+              <a:ext uri="{FF2B5EF4-FFF2-40B4-BE49-F238E27FC236}">
+                <a16:creationId xmlns:a16="http://schemas.microsoft.com/office/drawing/2014/main" id="{A6D733BE-061E-4600-B6A3-62A68EF2C687}"/>
+              </a:ext>
+              <a:ext uri="{C183D7F6-B498-43B3-948B-1728B52AA6E4}">
+                <adec:decorative xmlns:adec="http://schemas.microsoft.com/office/drawing/2017/decorative" val="1"/>
+              </a:ext>
+            </a:extLst>
+          </p:cNvPr>
+          <p:cNvSpPr>
+            <a:spLocks noGrp="1" noRot="1" noChangeAspect="1" noMove="1" noResize="1" noEditPoints="1" noAdjustHandles="1" noChangeArrowheads="1" noChangeShapeType="1" noTextEdit="1"/>
+          </p:cNvSpPr>
+          <p:nvPr>
+            <p:extLst>
+              <p:ext uri="{386F3935-93C4-4BCD-93E2-E3B085C9AB24}">
+                <p16:designElem xmlns:p16="http://schemas.microsoft.com/office/powerpoint/2015/main" val="1"/>
+              </p:ext>
+            </p:extLst>
+          </p:nvPr>
+        </p:nvSpPr>
+        <p:spPr>
+          <a:xfrm>
+            <a:off x="4241830" y="457200"/>
+            <a:ext cx="3703320" cy="91440"/>
+          </a:xfrm>
+          <a:prstGeom prst="rect">
+            <a:avLst/>
+          </a:prstGeom>
+          <a:solidFill>
+            <a:srgbClr val="3CE0FF"/>
+          </a:solidFill>
+          <a:ln>
+            <a:noFill/>
+          </a:ln>
+          <a:effectLst/>
+        </p:spPr>
+        <p:style>
+          <a:lnRef idx="1">
+            <a:schemeClr val="accent1"/>
+          </a:lnRef>
+          <a:fillRef idx="3">
+            <a:schemeClr val="accent1"/>
+          </a:fillRef>
+          <a:effectRef idx="2">
+            <a:schemeClr val="accent1"/>
+          </a:effectRef>
+          <a:fontRef idx="minor">
+            <a:schemeClr val="lt1"/>
+          </a:fontRef>
+        </p:style>
       </p:sp>
       <p:sp>
         <p:nvSpPr>
@@ -4684,19 +8147,230 @@
             <p:ph idx="1"/>
           </p:nvPr>
         </p:nvSpPr>
-        <p:spPr/>
-        <p:txBody>
-          <a:bodyPr/>
+        <p:spPr>
+          <a:xfrm>
+            <a:off x="601255" y="1964168"/>
+            <a:ext cx="3409782" cy="4036582"/>
+          </a:xfrm>
+        </p:spPr>
+        <p:txBody>
+          <a:bodyPr>
+            <a:normAutofit/>
+          </a:bodyPr>
           <a:lstStyle/>
           <a:p>
-            <a:endParaRPr lang="hu-HU"/>
+            <a:pPr marL="0" indent="0">
+              <a:buClr>
+                <a:srgbClr val="3CE0FF"/>
+              </a:buClr>
+              <a:buNone/>
+            </a:pPr>
+            <a:r>
+              <a:rPr lang="hu-HU">
+                <a:solidFill>
+                  <a:schemeClr val="bg1"/>
+                </a:solidFill>
+              </a:rPr>
+              <a:t>Vízhűtés 					Levegő keringgetés </a:t>
+            </a:r>
+          </a:p>
+          <a:p>
+            <a:pPr marL="0" indent="0">
+              <a:buClr>
+                <a:srgbClr val="3CE0FF"/>
+              </a:buClr>
+              <a:buNone/>
+            </a:pPr>
+            <a:endParaRPr lang="hu-HU">
+              <a:solidFill>
+                <a:schemeClr val="bg1"/>
+              </a:solidFill>
+            </a:endParaRPr>
+          </a:p>
+          <a:p>
+            <a:pPr>
+              <a:buClr>
+                <a:srgbClr val="3CE0FF"/>
+              </a:buClr>
+            </a:pPr>
+            <a:r>
+              <a:rPr lang="hu-HU">
+                <a:solidFill>
+                  <a:schemeClr val="bg1"/>
+                </a:solidFill>
+              </a:rPr>
+              <a:t>Ventilátorok </a:t>
+            </a:r>
+          </a:p>
+          <a:p>
+            <a:pPr>
+              <a:buClr>
+                <a:srgbClr val="3CE0FF"/>
+              </a:buClr>
+            </a:pPr>
+            <a:r>
+              <a:rPr lang="hu-HU">
+                <a:solidFill>
+                  <a:schemeClr val="bg1"/>
+                </a:solidFill>
+              </a:rPr>
+              <a:t>Hűtő bordák</a:t>
+            </a:r>
+          </a:p>
+          <a:p>
+            <a:pPr>
+              <a:buClr>
+                <a:srgbClr val="3CE0FF"/>
+              </a:buClr>
+            </a:pPr>
+            <a:r>
+              <a:rPr lang="hu-HU">
+                <a:solidFill>
+                  <a:schemeClr val="bg1"/>
+                </a:solidFill>
+              </a:rPr>
+              <a:t>Folyadék keringgetés </a:t>
+            </a:r>
+          </a:p>
+          <a:p>
+            <a:pPr>
+              <a:buClr>
+                <a:srgbClr val="3CE0FF"/>
+              </a:buClr>
+            </a:pPr>
+            <a:endParaRPr lang="hu-HU">
+              <a:solidFill>
+                <a:schemeClr val="bg1"/>
+              </a:solidFill>
+            </a:endParaRPr>
+          </a:p>
+          <a:p>
+            <a:pPr marL="0" indent="0">
+              <a:buClr>
+                <a:srgbClr val="3CE0FF"/>
+              </a:buClr>
+              <a:buNone/>
+            </a:pPr>
+            <a:endParaRPr lang="hu-HU">
+              <a:solidFill>
+                <a:schemeClr val="bg1"/>
+              </a:solidFill>
+            </a:endParaRPr>
+          </a:p>
+          <a:p>
+            <a:pPr marL="0" indent="0">
+              <a:buClr>
+                <a:srgbClr val="3CE0FF"/>
+              </a:buClr>
+              <a:buNone/>
+            </a:pPr>
+            <a:endParaRPr lang="hu-HU">
+              <a:solidFill>
+                <a:schemeClr val="bg1"/>
+              </a:solidFill>
+            </a:endParaRPr>
+          </a:p>
+        </p:txBody>
+      </p:sp>
+      <p:pic>
+        <p:nvPicPr>
+          <p:cNvPr id="9220" name="Picture 4" descr="Custom watercooled pc építés - PC építés - TheVR Fórum">
+            <a:extLst>
+              <a:ext uri="{FF2B5EF4-FFF2-40B4-BE49-F238E27FC236}">
+                <a16:creationId xmlns:a16="http://schemas.microsoft.com/office/drawing/2014/main" id="{12B64A6D-A3CE-E499-56C3-5A15C2AF5606}"/>
+              </a:ext>
+            </a:extLst>
+          </p:cNvPr>
+          <p:cNvPicPr>
+            <a:picLocks noChangeAspect="1" noChangeArrowheads="1"/>
+          </p:cNvPicPr>
+          <p:nvPr/>
+        </p:nvPicPr>
+        <p:blipFill>
+          <a:blip r:embed="rId2">
+            <a:extLst>
+              <a:ext uri="{28A0092B-C50C-407E-A947-70E740481C1C}">
+                <a14:useLocalDpi xmlns:a14="http://schemas.microsoft.com/office/drawing/2010/main" val="0"/>
+              </a:ext>
+            </a:extLst>
+          </a:blip>
+          <a:srcRect/>
+          <a:stretch>
+            <a:fillRect/>
+          </a:stretch>
+        </p:blipFill>
+        <p:spPr bwMode="auto">
+          <a:xfrm>
+            <a:off x="5258034" y="796105"/>
+            <a:ext cx="5825786" cy="5447489"/>
+          </a:xfrm>
+          <a:prstGeom prst="rect">
+            <a:avLst/>
+          </a:prstGeom>
+          <a:ln w="38100" cap="sq">
+            <a:solidFill>
+              <a:srgbClr val="000000"/>
+            </a:solidFill>
+            <a:prstDash val="solid"/>
+            <a:miter lim="800000"/>
+          </a:ln>
+          <a:effectLst>
+            <a:outerShdw blurRad="50800" dist="38100" dir="2700000" algn="tl" rotWithShape="0">
+              <a:srgbClr val="000000">
+                <a:alpha val="43000"/>
+              </a:srgbClr>
+            </a:outerShdw>
+          </a:effectLst>
+          <a:extLst>
+            <a:ext uri="{909E8E84-426E-40DD-AFC4-6F175D3DCCD1}">
+              <a14:hiddenFill xmlns:a14="http://schemas.microsoft.com/office/drawing/2010/main">
+                <a:solidFill>
+                  <a:srgbClr val="FFFFFF"/>
+                </a:solidFill>
+              </a14:hiddenFill>
+            </a:ext>
+          </a:extLst>
+        </p:spPr>
+      </p:pic>
+      <p:sp>
+        <p:nvSpPr>
+          <p:cNvPr id="7" name="Szövegdoboz 6">
+            <a:extLst>
+              <a:ext uri="{FF2B5EF4-FFF2-40B4-BE49-F238E27FC236}">
+                <a16:creationId xmlns:a16="http://schemas.microsoft.com/office/drawing/2014/main" id="{6D2681BE-D4BE-FE5C-891C-339BBE4680A4}"/>
+              </a:ext>
+            </a:extLst>
+          </p:cNvPr>
+          <p:cNvSpPr txBox="1"/>
+          <p:nvPr/>
+        </p:nvSpPr>
+        <p:spPr>
+          <a:xfrm>
+            <a:off x="5258034" y="6285384"/>
+            <a:ext cx="3144289" cy="230832"/>
+          </a:xfrm>
+          <a:prstGeom prst="rect">
+            <a:avLst/>
+          </a:prstGeom>
+          <a:noFill/>
+        </p:spPr>
+        <p:txBody>
+          <a:bodyPr wrap="square">
+            <a:spAutoFit/>
+          </a:bodyPr>
+          <a:lstStyle/>
+          <a:p>
+            <a:r>
+              <a:rPr lang="hu-HU" sz="900" dirty="0"/>
+              <a:t>https://tinyurl.com/v9sum472</a:t>
+            </a:r>
           </a:p>
         </p:txBody>
       </p:sp>
     </p:spTree>
     <p:extLst>
       <p:ext uri="{BB962C8B-B14F-4D97-AF65-F5344CB8AC3E}">
-        <p14:creationId xmlns:p14="http://schemas.microsoft.com/office/powerpoint/2010/main" val="4178262707"/>
+        <p14:creationId xmlns:p14="http://schemas.microsoft.com/office/powerpoint/2010/main" val="888304952"/>
       </p:ext>
     </p:extLst>
   </p:cSld>
